--- a/docs/Analayze/161101.pptx
+++ b/docs/Analayze/161101.pptx
@@ -4,16 +4,24 @@
   <p:sldMasterIdLst>
     <p:sldMasterId id="2147483648" r:id="rId1"/>
   </p:sldMasterIdLst>
+  <p:notesMasterIdLst>
+    <p:notesMasterId r:id="rId16"/>
+  </p:notesMasterIdLst>
   <p:sldIdLst>
     <p:sldId id="261" r:id="rId2"/>
-    <p:sldId id="267" r:id="rId3"/>
-    <p:sldId id="268" r:id="rId4"/>
-    <p:sldId id="269" r:id="rId5"/>
-    <p:sldId id="271" r:id="rId6"/>
-    <p:sldId id="272" r:id="rId7"/>
-    <p:sldId id="273" r:id="rId8"/>
-    <p:sldId id="266" r:id="rId9"/>
-    <p:sldId id="264" r:id="rId10"/>
+    <p:sldId id="275" r:id="rId3"/>
+    <p:sldId id="267" r:id="rId4"/>
+    <p:sldId id="268" r:id="rId5"/>
+    <p:sldId id="278" r:id="rId6"/>
+    <p:sldId id="269" r:id="rId7"/>
+    <p:sldId id="279" r:id="rId8"/>
+    <p:sldId id="271" r:id="rId9"/>
+    <p:sldId id="276" r:id="rId10"/>
+    <p:sldId id="272" r:id="rId11"/>
+    <p:sldId id="277" r:id="rId12"/>
+    <p:sldId id="273" r:id="rId13"/>
+    <p:sldId id="266" r:id="rId14"/>
+    <p:sldId id="264" r:id="rId15"/>
   </p:sldIdLst>
   <p:sldSz cx="12192000" cy="6858000"/>
   <p:notesSz cx="6858000" cy="9144000"/>
@@ -112,7 +120,362 @@
       </a:defRPr>
     </a:lvl9pPr>
   </p:defaultTextStyle>
+  <p:extLst>
+    <p:ext uri="{EFAFB233-063F-42B5-8137-9DF3F51BA10A}">
+      <p15:sldGuideLst xmlns:p15="http://schemas.microsoft.com/office/powerpoint/2012/main"/>
+    </p:ext>
+  </p:extLst>
 </p:presentation>
+</file>
+
+<file path=ppt/notesMasters/notesMaster1.xml><?xml version="1.0" encoding="utf-8"?>
+<p:notesMaster xmlns:a="http://schemas.openxmlformats.org/drawingml/2006/main" xmlns:r="http://schemas.openxmlformats.org/officeDocument/2006/relationships" xmlns:p="http://schemas.openxmlformats.org/presentationml/2006/main">
+  <p:cSld>
+    <p:bg>
+      <p:bgRef idx="1001">
+        <a:schemeClr val="bg1"/>
+      </p:bgRef>
+    </p:bg>
+    <p:spTree>
+      <p:nvGrpSpPr>
+        <p:cNvPr id="1" name=""/>
+        <p:cNvGrpSpPr/>
+        <p:nvPr/>
+      </p:nvGrpSpPr>
+      <p:grpSpPr>
+        <a:xfrm>
+          <a:off x="0" y="0"/>
+          <a:ext cx="0" cy="0"/>
+          <a:chOff x="0" y="0"/>
+          <a:chExt cx="0" cy="0"/>
+        </a:xfrm>
+      </p:grpSpPr>
+      <p:sp>
+        <p:nvSpPr>
+          <p:cNvPr id="2" name="머리글 개체 틀 1"/>
+          <p:cNvSpPr>
+            <a:spLocks noGrp="1"/>
+          </p:cNvSpPr>
+          <p:nvPr>
+            <p:ph type="hdr" sz="quarter"/>
+          </p:nvPr>
+        </p:nvSpPr>
+        <p:spPr>
+          <a:xfrm>
+            <a:off x="0" y="0"/>
+            <a:ext cx="2971800" cy="458788"/>
+          </a:xfrm>
+          <a:prstGeom prst="rect">
+            <a:avLst/>
+          </a:prstGeom>
+        </p:spPr>
+        <p:txBody>
+          <a:bodyPr vert="horz" lIns="91440" tIns="45720" rIns="91440" bIns="45720" rtlCol="0"/>
+          <a:lstStyle>
+            <a:lvl1pPr algn="l">
+              <a:defRPr sz="1200"/>
+            </a:lvl1pPr>
+          </a:lstStyle>
+          <a:p>
+            <a:endParaRPr lang="ko-KR" altLang="en-US"/>
+          </a:p>
+        </p:txBody>
+      </p:sp>
+      <p:sp>
+        <p:nvSpPr>
+          <p:cNvPr id="3" name="날짜 개체 틀 2"/>
+          <p:cNvSpPr>
+            <a:spLocks noGrp="1"/>
+          </p:cNvSpPr>
+          <p:nvPr>
+            <p:ph type="dt" idx="1"/>
+          </p:nvPr>
+        </p:nvSpPr>
+        <p:spPr>
+          <a:xfrm>
+            <a:off x="3884613" y="0"/>
+            <a:ext cx="2971800" cy="458788"/>
+          </a:xfrm>
+          <a:prstGeom prst="rect">
+            <a:avLst/>
+          </a:prstGeom>
+        </p:spPr>
+        <p:txBody>
+          <a:bodyPr vert="horz" lIns="91440" tIns="45720" rIns="91440" bIns="45720" rtlCol="0"/>
+          <a:lstStyle>
+            <a:lvl1pPr algn="r">
+              <a:defRPr sz="1200"/>
+            </a:lvl1pPr>
+          </a:lstStyle>
+          <a:p>
+            <a:fld id="{58CCFEAC-39A6-44F2-9918-309A4F554256}" type="datetimeFigureOut">
+              <a:rPr lang="ko-KR" altLang="en-US" smtClean="0"/>
+              <a:t>2016-11-01</a:t>
+            </a:fld>
+            <a:endParaRPr lang="ko-KR" altLang="en-US"/>
+          </a:p>
+        </p:txBody>
+      </p:sp>
+      <p:sp>
+        <p:nvSpPr>
+          <p:cNvPr id="4" name="슬라이드 이미지 개체 틀 3"/>
+          <p:cNvSpPr>
+            <a:spLocks noGrp="1" noRot="1" noChangeAspect="1"/>
+          </p:cNvSpPr>
+          <p:nvPr>
+            <p:ph type="sldImg" idx="2"/>
+          </p:nvPr>
+        </p:nvSpPr>
+        <p:spPr>
+          <a:xfrm>
+            <a:off x="685800" y="1143000"/>
+            <a:ext cx="5486400" cy="3086100"/>
+          </a:xfrm>
+          <a:prstGeom prst="rect">
+            <a:avLst/>
+          </a:prstGeom>
+          <a:noFill/>
+          <a:ln w="12700">
+            <a:solidFill>
+              <a:prstClr val="black"/>
+            </a:solidFill>
+          </a:ln>
+        </p:spPr>
+        <p:txBody>
+          <a:bodyPr vert="horz" lIns="91440" tIns="45720" rIns="91440" bIns="45720" rtlCol="0" anchor="ctr"/>
+          <a:lstStyle/>
+          <a:p>
+            <a:endParaRPr lang="ko-KR" altLang="en-US"/>
+          </a:p>
+        </p:txBody>
+      </p:sp>
+      <p:sp>
+        <p:nvSpPr>
+          <p:cNvPr id="5" name="슬라이드 노트 개체 틀 4"/>
+          <p:cNvSpPr>
+            <a:spLocks noGrp="1"/>
+          </p:cNvSpPr>
+          <p:nvPr>
+            <p:ph type="body" sz="quarter" idx="3"/>
+          </p:nvPr>
+        </p:nvSpPr>
+        <p:spPr>
+          <a:xfrm>
+            <a:off x="685800" y="4400550"/>
+            <a:ext cx="5486400" cy="3600450"/>
+          </a:xfrm>
+          <a:prstGeom prst="rect">
+            <a:avLst/>
+          </a:prstGeom>
+        </p:spPr>
+        <p:txBody>
+          <a:bodyPr vert="horz" lIns="91440" tIns="45720" rIns="91440" bIns="45720" rtlCol="0"/>
+          <a:lstStyle/>
+          <a:p>
+            <a:pPr lvl="0"/>
+            <a:r>
+              <a:rPr lang="ko-KR" altLang="en-US" smtClean="0"/>
+              <a:t>마스터 텍스트 스타일을 편집합니다</a:t>
+            </a:r>
+          </a:p>
+          <a:p>
+            <a:pPr lvl="1"/>
+            <a:r>
+              <a:rPr lang="ko-KR" altLang="en-US" smtClean="0"/>
+              <a:t>둘째 수준</a:t>
+            </a:r>
+          </a:p>
+          <a:p>
+            <a:pPr lvl="2"/>
+            <a:r>
+              <a:rPr lang="ko-KR" altLang="en-US" smtClean="0"/>
+              <a:t>셋째 수준</a:t>
+            </a:r>
+          </a:p>
+          <a:p>
+            <a:pPr lvl="3"/>
+            <a:r>
+              <a:rPr lang="ko-KR" altLang="en-US" smtClean="0"/>
+              <a:t>넷째 수준</a:t>
+            </a:r>
+          </a:p>
+          <a:p>
+            <a:pPr lvl="4"/>
+            <a:r>
+              <a:rPr lang="ko-KR" altLang="en-US" smtClean="0"/>
+              <a:t>다섯째 수준</a:t>
+            </a:r>
+            <a:endParaRPr lang="ko-KR" altLang="en-US"/>
+          </a:p>
+        </p:txBody>
+      </p:sp>
+      <p:sp>
+        <p:nvSpPr>
+          <p:cNvPr id="6" name="바닥글 개체 틀 5"/>
+          <p:cNvSpPr>
+            <a:spLocks noGrp="1"/>
+          </p:cNvSpPr>
+          <p:nvPr>
+            <p:ph type="ftr" sz="quarter" idx="4"/>
+          </p:nvPr>
+        </p:nvSpPr>
+        <p:spPr>
+          <a:xfrm>
+            <a:off x="0" y="8685213"/>
+            <a:ext cx="2971800" cy="458787"/>
+          </a:xfrm>
+          <a:prstGeom prst="rect">
+            <a:avLst/>
+          </a:prstGeom>
+        </p:spPr>
+        <p:txBody>
+          <a:bodyPr vert="horz" lIns="91440" tIns="45720" rIns="91440" bIns="45720" rtlCol="0" anchor="b"/>
+          <a:lstStyle>
+            <a:lvl1pPr algn="l">
+              <a:defRPr sz="1200"/>
+            </a:lvl1pPr>
+          </a:lstStyle>
+          <a:p>
+            <a:endParaRPr lang="ko-KR" altLang="en-US"/>
+          </a:p>
+        </p:txBody>
+      </p:sp>
+      <p:sp>
+        <p:nvSpPr>
+          <p:cNvPr id="7" name="슬라이드 번호 개체 틀 6"/>
+          <p:cNvSpPr>
+            <a:spLocks noGrp="1"/>
+          </p:cNvSpPr>
+          <p:nvPr>
+            <p:ph type="sldNum" sz="quarter" idx="5"/>
+          </p:nvPr>
+        </p:nvSpPr>
+        <p:spPr>
+          <a:xfrm>
+            <a:off x="3884613" y="8685213"/>
+            <a:ext cx="2971800" cy="458787"/>
+          </a:xfrm>
+          <a:prstGeom prst="rect">
+            <a:avLst/>
+          </a:prstGeom>
+        </p:spPr>
+        <p:txBody>
+          <a:bodyPr vert="horz" lIns="91440" tIns="45720" rIns="91440" bIns="45720" rtlCol="0" anchor="b"/>
+          <a:lstStyle>
+            <a:lvl1pPr algn="r">
+              <a:defRPr sz="1200"/>
+            </a:lvl1pPr>
+          </a:lstStyle>
+          <a:p>
+            <a:fld id="{F584FB10-D865-4B55-982B-E87E942CC65C}" type="slidenum">
+              <a:rPr lang="ko-KR" altLang="en-US" smtClean="0"/>
+              <a:t>‹#›</a:t>
+            </a:fld>
+            <a:endParaRPr lang="ko-KR" altLang="en-US"/>
+          </a:p>
+        </p:txBody>
+      </p:sp>
+    </p:spTree>
+    <p:extLst>
+      <p:ext uri="{BB962C8B-B14F-4D97-AF65-F5344CB8AC3E}">
+        <p14:creationId xmlns:p14="http://schemas.microsoft.com/office/powerpoint/2010/main" val="1296167294"/>
+      </p:ext>
+    </p:extLst>
+  </p:cSld>
+  <p:clrMap bg1="lt1" tx1="dk1" bg2="lt2" tx2="dk2" accent1="accent1" accent2="accent2" accent3="accent3" accent4="accent4" accent5="accent5" accent6="accent6" hlink="hlink" folHlink="folHlink"/>
+  <p:notesStyle>
+    <a:lvl1pPr marL="0" algn="l" defTabSz="914400" rtl="0" eaLnBrk="1" latinLnBrk="1" hangingPunct="1">
+      <a:defRPr sz="1200" kern="1200">
+        <a:solidFill>
+          <a:schemeClr val="tx1"/>
+        </a:solidFill>
+        <a:latin typeface="+mn-lt"/>
+        <a:ea typeface="+mn-ea"/>
+        <a:cs typeface="+mn-cs"/>
+      </a:defRPr>
+    </a:lvl1pPr>
+    <a:lvl2pPr marL="457200" algn="l" defTabSz="914400" rtl="0" eaLnBrk="1" latinLnBrk="1" hangingPunct="1">
+      <a:defRPr sz="1200" kern="1200">
+        <a:solidFill>
+          <a:schemeClr val="tx1"/>
+        </a:solidFill>
+        <a:latin typeface="+mn-lt"/>
+        <a:ea typeface="+mn-ea"/>
+        <a:cs typeface="+mn-cs"/>
+      </a:defRPr>
+    </a:lvl2pPr>
+    <a:lvl3pPr marL="914400" algn="l" defTabSz="914400" rtl="0" eaLnBrk="1" latinLnBrk="1" hangingPunct="1">
+      <a:defRPr sz="1200" kern="1200">
+        <a:solidFill>
+          <a:schemeClr val="tx1"/>
+        </a:solidFill>
+        <a:latin typeface="+mn-lt"/>
+        <a:ea typeface="+mn-ea"/>
+        <a:cs typeface="+mn-cs"/>
+      </a:defRPr>
+    </a:lvl3pPr>
+    <a:lvl4pPr marL="1371600" algn="l" defTabSz="914400" rtl="0" eaLnBrk="1" latinLnBrk="1" hangingPunct="1">
+      <a:defRPr sz="1200" kern="1200">
+        <a:solidFill>
+          <a:schemeClr val="tx1"/>
+        </a:solidFill>
+        <a:latin typeface="+mn-lt"/>
+        <a:ea typeface="+mn-ea"/>
+        <a:cs typeface="+mn-cs"/>
+      </a:defRPr>
+    </a:lvl4pPr>
+    <a:lvl5pPr marL="1828800" algn="l" defTabSz="914400" rtl="0" eaLnBrk="1" latinLnBrk="1" hangingPunct="1">
+      <a:defRPr sz="1200" kern="1200">
+        <a:solidFill>
+          <a:schemeClr val="tx1"/>
+        </a:solidFill>
+        <a:latin typeface="+mn-lt"/>
+        <a:ea typeface="+mn-ea"/>
+        <a:cs typeface="+mn-cs"/>
+      </a:defRPr>
+    </a:lvl5pPr>
+    <a:lvl6pPr marL="2286000" algn="l" defTabSz="914400" rtl="0" eaLnBrk="1" latinLnBrk="1" hangingPunct="1">
+      <a:defRPr sz="1200" kern="1200">
+        <a:solidFill>
+          <a:schemeClr val="tx1"/>
+        </a:solidFill>
+        <a:latin typeface="+mn-lt"/>
+        <a:ea typeface="+mn-ea"/>
+        <a:cs typeface="+mn-cs"/>
+      </a:defRPr>
+    </a:lvl6pPr>
+    <a:lvl7pPr marL="2743200" algn="l" defTabSz="914400" rtl="0" eaLnBrk="1" latinLnBrk="1" hangingPunct="1">
+      <a:defRPr sz="1200" kern="1200">
+        <a:solidFill>
+          <a:schemeClr val="tx1"/>
+        </a:solidFill>
+        <a:latin typeface="+mn-lt"/>
+        <a:ea typeface="+mn-ea"/>
+        <a:cs typeface="+mn-cs"/>
+      </a:defRPr>
+    </a:lvl7pPr>
+    <a:lvl8pPr marL="3200400" algn="l" defTabSz="914400" rtl="0" eaLnBrk="1" latinLnBrk="1" hangingPunct="1">
+      <a:defRPr sz="1200" kern="1200">
+        <a:solidFill>
+          <a:schemeClr val="tx1"/>
+        </a:solidFill>
+        <a:latin typeface="+mn-lt"/>
+        <a:ea typeface="+mn-ea"/>
+        <a:cs typeface="+mn-cs"/>
+      </a:defRPr>
+    </a:lvl8pPr>
+    <a:lvl9pPr marL="3657600" algn="l" defTabSz="914400" rtl="0" eaLnBrk="1" latinLnBrk="1" hangingPunct="1">
+      <a:defRPr sz="1200" kern="1200">
+        <a:solidFill>
+          <a:schemeClr val="tx1"/>
+        </a:solidFill>
+        <a:latin typeface="+mn-lt"/>
+        <a:ea typeface="+mn-ea"/>
+        <a:cs typeface="+mn-cs"/>
+      </a:defRPr>
+    </a:lvl9pPr>
+  </p:notesStyle>
+</p:notesMaster>
 </file>
 
 <file path=ppt/slideLayouts/slideLayout1.xml><?xml version="1.0" encoding="utf-8"?>
@@ -246,7 +609,7 @@
           <a:p>
             <a:fld id="{84300540-9FEE-4A61-B859-D16DB509E7FF}" type="datetimeFigureOut">
               <a:rPr lang="ko-KR" altLang="en-US" smtClean="0"/>
-              <a:t>2016-10-31</a:t>
+              <a:t>2016-11-01</a:t>
             </a:fld>
             <a:endParaRPr lang="ko-KR" altLang="en-US"/>
           </a:p>
@@ -416,7 +779,7 @@
           <a:p>
             <a:fld id="{84300540-9FEE-4A61-B859-D16DB509E7FF}" type="datetimeFigureOut">
               <a:rPr lang="ko-KR" altLang="en-US" smtClean="0"/>
-              <a:t>2016-10-31</a:t>
+              <a:t>2016-11-01</a:t>
             </a:fld>
             <a:endParaRPr lang="ko-KR" altLang="en-US"/>
           </a:p>
@@ -596,7 +959,7 @@
           <a:p>
             <a:fld id="{84300540-9FEE-4A61-B859-D16DB509E7FF}" type="datetimeFigureOut">
               <a:rPr lang="ko-KR" altLang="en-US" smtClean="0"/>
-              <a:t>2016-10-31</a:t>
+              <a:t>2016-11-01</a:t>
             </a:fld>
             <a:endParaRPr lang="ko-KR" altLang="en-US"/>
           </a:p>
@@ -766,7 +1129,7 @@
           <a:p>
             <a:fld id="{84300540-9FEE-4A61-B859-D16DB509E7FF}" type="datetimeFigureOut">
               <a:rPr lang="ko-KR" altLang="en-US" smtClean="0"/>
-              <a:t>2016-10-31</a:t>
+              <a:t>2016-11-01</a:t>
             </a:fld>
             <a:endParaRPr lang="ko-KR" altLang="en-US"/>
           </a:p>
@@ -1012,7 +1375,7 @@
           <a:p>
             <a:fld id="{84300540-9FEE-4A61-B859-D16DB509E7FF}" type="datetimeFigureOut">
               <a:rPr lang="ko-KR" altLang="en-US" smtClean="0"/>
-              <a:t>2016-10-31</a:t>
+              <a:t>2016-11-01</a:t>
             </a:fld>
             <a:endParaRPr lang="ko-KR" altLang="en-US"/>
           </a:p>
@@ -1244,7 +1607,7 @@
           <a:p>
             <a:fld id="{84300540-9FEE-4A61-B859-D16DB509E7FF}" type="datetimeFigureOut">
               <a:rPr lang="ko-KR" altLang="en-US" smtClean="0"/>
-              <a:t>2016-10-31</a:t>
+              <a:t>2016-11-01</a:t>
             </a:fld>
             <a:endParaRPr lang="ko-KR" altLang="en-US"/>
           </a:p>
@@ -1611,7 +1974,7 @@
           <a:p>
             <a:fld id="{84300540-9FEE-4A61-B859-D16DB509E7FF}" type="datetimeFigureOut">
               <a:rPr lang="ko-KR" altLang="en-US" smtClean="0"/>
-              <a:t>2016-10-31</a:t>
+              <a:t>2016-11-01</a:t>
             </a:fld>
             <a:endParaRPr lang="ko-KR" altLang="en-US"/>
           </a:p>
@@ -1729,7 +2092,7 @@
           <a:p>
             <a:fld id="{84300540-9FEE-4A61-B859-D16DB509E7FF}" type="datetimeFigureOut">
               <a:rPr lang="ko-KR" altLang="en-US" smtClean="0"/>
-              <a:t>2016-10-31</a:t>
+              <a:t>2016-11-01</a:t>
             </a:fld>
             <a:endParaRPr lang="ko-KR" altLang="en-US"/>
           </a:p>
@@ -1824,7 +2187,7 @@
           <a:p>
             <a:fld id="{84300540-9FEE-4A61-B859-D16DB509E7FF}" type="datetimeFigureOut">
               <a:rPr lang="ko-KR" altLang="en-US" smtClean="0"/>
-              <a:t>2016-10-31</a:t>
+              <a:t>2016-11-01</a:t>
             </a:fld>
             <a:endParaRPr lang="ko-KR" altLang="en-US"/>
           </a:p>
@@ -2101,7 +2464,7 @@
           <a:p>
             <a:fld id="{84300540-9FEE-4A61-B859-D16DB509E7FF}" type="datetimeFigureOut">
               <a:rPr lang="ko-KR" altLang="en-US" smtClean="0"/>
-              <a:t>2016-10-31</a:t>
+              <a:t>2016-11-01</a:t>
             </a:fld>
             <a:endParaRPr lang="ko-KR" altLang="en-US"/>
           </a:p>
@@ -2354,7 +2717,7 @@
           <a:p>
             <a:fld id="{84300540-9FEE-4A61-B859-D16DB509E7FF}" type="datetimeFigureOut">
               <a:rPr lang="ko-KR" altLang="en-US" smtClean="0"/>
-              <a:t>2016-10-31</a:t>
+              <a:t>2016-11-01</a:t>
             </a:fld>
             <a:endParaRPr lang="ko-KR" altLang="en-US"/>
           </a:p>
@@ -2567,7 +2930,7 @@
           <a:p>
             <a:fld id="{84300540-9FEE-4A61-B859-D16DB509E7FF}" type="datetimeFigureOut">
               <a:rPr lang="ko-KR" altLang="en-US" smtClean="0"/>
-              <a:t>2016-10-31</a:t>
+              <a:t>2016-11-01</a:t>
             </a:fld>
             <a:endParaRPr lang="ko-KR" altLang="en-US"/>
           </a:p>
@@ -3013,121 +3376,58 @@
         </p:blipFill>
         <p:spPr>
           <a:xfrm>
-            <a:off x="818198" y="1825626"/>
+            <a:off x="6767795" y="1690688"/>
             <a:ext cx="5221604" cy="4351336"/>
           </a:xfrm>
           <a:prstGeom prst="rect">
             <a:avLst/>
           </a:prstGeom>
+          <a:ln>
+            <a:noFill/>
+          </a:ln>
+          <a:effectLst>
+            <a:outerShdw blurRad="292100" dist="139700" dir="2700000" algn="tl" rotWithShape="0">
+              <a:srgbClr val="333333">
+                <a:alpha val="65000"/>
+              </a:srgbClr>
+            </a:outerShdw>
+          </a:effectLst>
         </p:spPr>
       </p:pic>
-      <p:sp>
-        <p:nvSpPr>
-          <p:cNvPr id="4" name="내용 개체 틀 3"/>
-          <p:cNvSpPr>
-            <a:spLocks noGrp="1"/>
-          </p:cNvSpPr>
-          <p:nvPr>
-            <p:ph sz="half" idx="2"/>
-          </p:nvPr>
-        </p:nvSpPr>
-        <p:spPr/>
-        <p:txBody>
-          <a:bodyPr/>
-          <a:lstStyle/>
-          <a:p>
-            <a:pPr>
-              <a:buFont typeface="Wingdings" panose="05000000000000000000" pitchFamily="2" charset="2"/>
-              <a:buChar char="§"/>
-            </a:pPr>
-            <a:r>
-              <a:rPr lang="en-US" altLang="ko-KR" dirty="0" smtClean="0"/>
-              <a:t>*.</a:t>
-            </a:r>
-            <a:r>
-              <a:rPr lang="en-US" altLang="ko-KR" dirty="0" err="1" smtClean="0"/>
-              <a:t>pptx</a:t>
-            </a:r>
-            <a:r>
-              <a:rPr lang="en-US" altLang="ko-KR" dirty="0" smtClean="0"/>
-              <a:t> </a:t>
-            </a:r>
-            <a:r>
-              <a:rPr lang="ko-KR" altLang="en-US" dirty="0" smtClean="0"/>
-              <a:t>파일에 대한 압축 구조</a:t>
-            </a:r>
-            <a:endParaRPr lang="en-US" altLang="ko-KR" dirty="0" smtClean="0"/>
-          </a:p>
-          <a:p>
-            <a:pPr>
-              <a:buFont typeface="Wingdings" panose="05000000000000000000" pitchFamily="2" charset="2"/>
-              <a:buChar char="§"/>
-            </a:pPr>
-            <a:r>
-              <a:rPr lang="ko-KR" altLang="en-US" dirty="0" smtClean="0"/>
-              <a:t>구성</a:t>
-            </a:r>
-            <a:endParaRPr lang="en-US" altLang="ko-KR" dirty="0" smtClean="0"/>
-          </a:p>
-          <a:p>
-            <a:pPr lvl="1">
-              <a:buFont typeface="Wingdings" panose="05000000000000000000" pitchFamily="2" charset="2"/>
-              <a:buChar char="§"/>
-            </a:pPr>
-            <a:r>
-              <a:rPr lang="en-US" altLang="ko-KR" dirty="0" smtClean="0"/>
-              <a:t>[Content_Types].xml</a:t>
-            </a:r>
-            <a:endParaRPr lang="ko-KR" altLang="en-US" dirty="0" smtClean="0"/>
-          </a:p>
-          <a:p>
-            <a:pPr lvl="1">
-              <a:buFont typeface="Wingdings" panose="05000000000000000000" pitchFamily="2" charset="2"/>
-              <a:buChar char="§"/>
-            </a:pPr>
-            <a:r>
-              <a:rPr lang="en-US" altLang="ko-KR" dirty="0" smtClean="0"/>
-              <a:t>_</a:t>
-            </a:r>
-            <a:r>
-              <a:rPr lang="en-US" altLang="ko-KR" dirty="0" err="1" smtClean="0"/>
-              <a:t>rels</a:t>
-            </a:r>
-            <a:r>
-              <a:rPr lang="en-US" altLang="ko-KR" dirty="0" smtClean="0"/>
-              <a:t>\</a:t>
-            </a:r>
-          </a:p>
-          <a:p>
-            <a:pPr lvl="1">
-              <a:buFont typeface="Wingdings" panose="05000000000000000000" pitchFamily="2" charset="2"/>
-              <a:buChar char="§"/>
-            </a:pPr>
-            <a:r>
-              <a:rPr lang="en-US" altLang="ko-KR" dirty="0" err="1" smtClean="0"/>
-              <a:t>docProps</a:t>
-            </a:r>
-            <a:r>
-              <a:rPr lang="en-US" altLang="ko-KR" dirty="0" smtClean="0"/>
-              <a:t>\</a:t>
-            </a:r>
-          </a:p>
-          <a:p>
-            <a:pPr lvl="1">
-              <a:buFont typeface="Wingdings" panose="05000000000000000000" pitchFamily="2" charset="2"/>
-              <a:buChar char="§"/>
-            </a:pPr>
-            <a:r>
-              <a:rPr lang="en-US" altLang="ko-KR" dirty="0" err="1" smtClean="0"/>
-              <a:t>ppt</a:t>
-            </a:r>
-            <a:r>
-              <a:rPr lang="en-US" altLang="ko-KR" dirty="0" smtClean="0"/>
-              <a:t>\</a:t>
-            </a:r>
-          </a:p>
-        </p:txBody>
-      </p:sp>
+      <p:pic>
+        <p:nvPicPr>
+          <p:cNvPr id="6" name="그림 5"/>
+          <p:cNvPicPr>
+            <a:picLocks noChangeAspect="1"/>
+          </p:cNvPicPr>
+          <p:nvPr/>
+        </p:nvPicPr>
+        <p:blipFill>
+          <a:blip r:embed="rId3"/>
+          <a:stretch>
+            <a:fillRect/>
+          </a:stretch>
+        </p:blipFill>
+        <p:spPr>
+          <a:xfrm>
+            <a:off x="202601" y="1690688"/>
+            <a:ext cx="6402511" cy="4351336"/>
+          </a:xfrm>
+          <a:prstGeom prst="rect">
+            <a:avLst/>
+          </a:prstGeom>
+          <a:ln>
+            <a:noFill/>
+          </a:ln>
+          <a:effectLst>
+            <a:outerShdw blurRad="292100" dist="139700" dir="2700000" algn="tl" rotWithShape="0">
+              <a:srgbClr val="333333">
+                <a:alpha val="65000"/>
+              </a:srgbClr>
+            </a:outerShdw>
+          </a:effectLst>
+        </p:spPr>
+      </p:pic>
     </p:spTree>
     <p:extLst>
       <p:ext uri="{BB962C8B-B14F-4D97-AF65-F5344CB8AC3E}">
@@ -3148,7 +3448,7 @@
 </p:sld>
 </file>
 
-<file path=ppt/slides/slide2.xml><?xml version="1.0" encoding="utf-8"?>
+<file path=ppt/slides/slide10.xml><?xml version="1.0" encoding="utf-8"?>
 <p:sld xmlns:a="http://schemas.openxmlformats.org/drawingml/2006/main" xmlns:r="http://schemas.openxmlformats.org/officeDocument/2006/relationships" xmlns:p="http://schemas.openxmlformats.org/presentationml/2006/main">
   <p:cSld>
     <p:spTree>
@@ -3181,698 +3481,47 @@
           <a:lstStyle/>
           <a:p>
             <a:r>
+              <a:rPr lang="en-US" altLang="ko-KR" dirty="0" err="1" smtClean="0"/>
+              <a:t>ppt</a:t>
+            </a:r>
+            <a:r>
               <a:rPr lang="en-US" altLang="ko-KR" dirty="0" smtClean="0"/>
-              <a:t>[Content_Types].xml</a:t>
+              <a:t> - </a:t>
+            </a:r>
+            <a:r>
+              <a:rPr lang="en-US" altLang="ko-KR" dirty="0" err="1" smtClean="0"/>
+              <a:t>SlideLayout</a:t>
             </a:r>
             <a:endParaRPr lang="ko-KR" altLang="en-US" dirty="0"/>
-          </a:p>
-        </p:txBody>
-      </p:sp>
-      <p:sp>
-        <p:nvSpPr>
-          <p:cNvPr id="4" name="내용 개체 틀 3"/>
-          <p:cNvSpPr>
-            <a:spLocks noGrp="1"/>
-          </p:cNvSpPr>
-          <p:nvPr>
-            <p:ph sz="half" idx="2"/>
-          </p:nvPr>
-        </p:nvSpPr>
-        <p:spPr>
-          <a:xfrm>
-            <a:off x="838200" y="4677255"/>
-            <a:ext cx="10515600" cy="1499708"/>
-          </a:xfrm>
-        </p:spPr>
-        <p:txBody>
-          <a:bodyPr>
-            <a:normAutofit fontScale="47500" lnSpcReduction="20000"/>
-          </a:bodyPr>
-          <a:lstStyle/>
-          <a:p>
-            <a:pPr>
-              <a:lnSpc>
-                <a:spcPct val="100000"/>
-              </a:lnSpc>
-              <a:buFont typeface="Wingdings" panose="05000000000000000000" pitchFamily="2" charset="2"/>
-              <a:buChar char="§"/>
-            </a:pPr>
-            <a:r>
-              <a:rPr lang="en-US" altLang="ko-KR" dirty="0" smtClean="0"/>
-              <a:t>Office Open XML </a:t>
-            </a:r>
-            <a:r>
-              <a:rPr lang="ko-KR" altLang="en-US" dirty="0" smtClean="0"/>
-              <a:t>형식 문서의 </a:t>
-            </a:r>
-            <a:r>
-              <a:rPr lang="ko-KR" altLang="en-US" dirty="0" smtClean="0"/>
-              <a:t>최상위 폴더에 </a:t>
-            </a:r>
-            <a:r>
-              <a:rPr lang="ko-KR" altLang="en-US" dirty="0" smtClean="0"/>
-              <a:t>존재</a:t>
-            </a:r>
-          </a:p>
-          <a:p>
-            <a:pPr>
-              <a:lnSpc>
-                <a:spcPct val="100000"/>
-              </a:lnSpc>
-              <a:buFont typeface="Wingdings" panose="05000000000000000000" pitchFamily="2" charset="2"/>
-              <a:buChar char="§"/>
-            </a:pPr>
-            <a:r>
-              <a:rPr lang="ko-KR" altLang="en-US" dirty="0" smtClean="0"/>
-              <a:t>문서에 포함된 고유한 형식의 모든 파트를 식별하는 용도로 사용</a:t>
-            </a:r>
-          </a:p>
-          <a:p>
-            <a:pPr>
-              <a:lnSpc>
-                <a:spcPct val="100000"/>
-              </a:lnSpc>
-              <a:buFont typeface="Wingdings" panose="05000000000000000000" pitchFamily="2" charset="2"/>
-              <a:buChar char="§"/>
-            </a:pPr>
-            <a:r>
-              <a:rPr lang="ko-KR" altLang="en-US" dirty="0" smtClean="0"/>
-              <a:t>각 파트는 이 파트에 나열된 형식으로 생성</a:t>
-            </a:r>
-          </a:p>
-          <a:p>
-            <a:pPr>
-              <a:lnSpc>
-                <a:spcPct val="100000"/>
-              </a:lnSpc>
-              <a:buFont typeface="Wingdings" panose="05000000000000000000" pitchFamily="2" charset="2"/>
-              <a:buChar char="§"/>
-            </a:pPr>
-            <a:r>
-              <a:rPr lang="ko-KR" altLang="en-US" dirty="0" smtClean="0"/>
-              <a:t>응용 프로그램이 문서를 </a:t>
-            </a:r>
-            <a:r>
-              <a:rPr lang="ko-KR" altLang="en-US" dirty="0" err="1" smtClean="0"/>
-              <a:t>렌더링할</a:t>
-            </a:r>
-            <a:r>
-              <a:rPr lang="ko-KR" altLang="en-US" dirty="0" smtClean="0"/>
-              <a:t> 때 파트를 어떻게 사용해야 할지 알 수 있도록 파트의 형식은 식별 가능하도록 작성</a:t>
-            </a:r>
-          </a:p>
-          <a:p>
-            <a:pPr>
-              <a:lnSpc>
-                <a:spcPct val="100000"/>
-              </a:lnSpc>
-              <a:buFont typeface="Wingdings" panose="05000000000000000000" pitchFamily="2" charset="2"/>
-              <a:buChar char="§"/>
-            </a:pPr>
-            <a:r>
-              <a:rPr lang="ko-KR" altLang="en-US" dirty="0" smtClean="0"/>
-              <a:t>또한 사용자도 이러한 형식을 통해 파트의 용도와 사용 방법을 파악 가능</a:t>
-            </a:r>
           </a:p>
         </p:txBody>
       </p:sp>
       <p:pic>
         <p:nvPicPr>
-          <p:cNvPr id="6" name="내용 개체 틀 4"/>
+          <p:cNvPr id="3" name="그림 2"/>
           <p:cNvPicPr>
-            <a:picLocks noGrp="1" noChangeAspect="1"/>
+            <a:picLocks noChangeAspect="1"/>
           </p:cNvPicPr>
-          <p:nvPr>
-            <p:ph sz="half" idx="1"/>
-          </p:nvPr>
+          <p:nvPr/>
         </p:nvPicPr>
-        <p:blipFill>
+        <p:blipFill rotWithShape="1">
           <a:blip r:embed="rId2"/>
-          <a:stretch>
-            <a:fillRect/>
-          </a:stretch>
+          <a:srcRect l="17738" t="4470" r="46177" b="23047"/>
+          <a:stretch/>
         </p:blipFill>
         <p:spPr>
           <a:xfrm>
-            <a:off x="2901082" y="1874028"/>
-            <a:ext cx="6389836" cy="2619886"/>
+            <a:off x="1072662" y="1780041"/>
+            <a:ext cx="2247900" cy="2651125"/>
           </a:xfrm>
           <a:prstGeom prst="rect">
             <a:avLst/>
           </a:prstGeom>
         </p:spPr>
       </p:pic>
-    </p:spTree>
-    <p:extLst>
-      <p:ext uri="{BB962C8B-B14F-4D97-AF65-F5344CB8AC3E}">
-        <p14:creationId xmlns:p14="http://schemas.microsoft.com/office/powerpoint/2010/main" val="2166405099"/>
-      </p:ext>
-    </p:extLst>
-  </p:cSld>
-  <p:clrMapOvr>
-    <a:masterClrMapping/>
-  </p:clrMapOvr>
-  <p:timing>
-    <p:tnLst>
-      <p:par>
-        <p:cTn id="1" dur="indefinite" restart="never" nodeType="tmRoot"/>
-      </p:par>
-    </p:tnLst>
-  </p:timing>
-</p:sld>
-</file>
-
-<file path=ppt/slides/slide3.xml><?xml version="1.0" encoding="utf-8"?>
-<p:sld xmlns:a="http://schemas.openxmlformats.org/drawingml/2006/main" xmlns:r="http://schemas.openxmlformats.org/officeDocument/2006/relationships" xmlns:p="http://schemas.openxmlformats.org/presentationml/2006/main">
-  <p:cSld>
-    <p:spTree>
-      <p:nvGrpSpPr>
-        <p:cNvPr id="1" name=""/>
-        <p:cNvGrpSpPr/>
-        <p:nvPr/>
-      </p:nvGrpSpPr>
-      <p:grpSpPr>
-        <a:xfrm>
-          <a:off x="0" y="0"/>
-          <a:ext cx="0" cy="0"/>
-          <a:chOff x="0" y="0"/>
-          <a:chExt cx="0" cy="0"/>
-        </a:xfrm>
-      </p:grpSpPr>
-      <p:sp>
-        <p:nvSpPr>
-          <p:cNvPr id="2" name="제목 1"/>
-          <p:cNvSpPr>
-            <a:spLocks noGrp="1"/>
-          </p:cNvSpPr>
-          <p:nvPr>
-            <p:ph type="title"/>
-          </p:nvPr>
-        </p:nvSpPr>
-        <p:spPr/>
-        <p:txBody>
-          <a:bodyPr/>
-          <a:lstStyle/>
-          <a:p>
-            <a:r>
-              <a:rPr lang="en-US" altLang="ko-KR" dirty="0"/>
-              <a:t>.</a:t>
-            </a:r>
-            <a:r>
-              <a:rPr lang="en-US" altLang="ko-KR" dirty="0" err="1" smtClean="0"/>
-              <a:t>rels</a:t>
-            </a:r>
-            <a:endParaRPr lang="ko-KR" altLang="en-US" dirty="0"/>
-          </a:p>
-        </p:txBody>
-      </p:sp>
-      <p:sp>
-        <p:nvSpPr>
-          <p:cNvPr id="4" name="내용 개체 틀 3"/>
-          <p:cNvSpPr>
-            <a:spLocks noGrp="1"/>
-          </p:cNvSpPr>
-          <p:nvPr>
-            <p:ph sz="half" idx="2"/>
-          </p:nvPr>
-        </p:nvSpPr>
-        <p:spPr>
-          <a:xfrm>
-            <a:off x="838200" y="3207507"/>
-            <a:ext cx="10515600" cy="2969456"/>
-          </a:xfrm>
-        </p:spPr>
-        <p:txBody>
-          <a:bodyPr>
-            <a:normAutofit/>
-          </a:bodyPr>
-          <a:lstStyle/>
-          <a:p>
-            <a:pPr>
-              <a:lnSpc>
-                <a:spcPct val="80000"/>
-              </a:lnSpc>
-              <a:buFont typeface="Wingdings" panose="05000000000000000000" pitchFamily="2" charset="2"/>
-              <a:buChar char="§"/>
-            </a:pPr>
-            <a:r>
-              <a:rPr lang="en-US" altLang="ko-KR" sz="1500" dirty="0" smtClean="0"/>
-              <a:t>Office Open XML </a:t>
-            </a:r>
-            <a:r>
-              <a:rPr lang="ko-KR" altLang="en-US" sz="1500" dirty="0" smtClean="0"/>
-              <a:t>형식 문서의 </a:t>
-            </a:r>
-            <a:r>
-              <a:rPr lang="en-US" altLang="ko-KR" sz="1500" dirty="0" smtClean="0"/>
-              <a:t>_</a:t>
-            </a:r>
-            <a:r>
-              <a:rPr lang="en-US" altLang="ko-KR" sz="1500" dirty="0" err="1" smtClean="0"/>
-              <a:t>rels</a:t>
-            </a:r>
-            <a:r>
-              <a:rPr lang="en-US" altLang="ko-KR" sz="1500" dirty="0" smtClean="0"/>
-              <a:t> </a:t>
-            </a:r>
-            <a:r>
-              <a:rPr lang="ko-KR" altLang="en-US" sz="1500" dirty="0" smtClean="0"/>
-              <a:t>폴더 하위에 위치</a:t>
-            </a:r>
-            <a:endParaRPr lang="en-US" altLang="ko-KR" sz="1500" dirty="0" smtClean="0"/>
-          </a:p>
-          <a:p>
-            <a:pPr>
-              <a:lnSpc>
-                <a:spcPct val="80000"/>
-              </a:lnSpc>
-              <a:buFont typeface="Wingdings" panose="05000000000000000000" pitchFamily="2" charset="2"/>
-              <a:buChar char="§"/>
-            </a:pPr>
-            <a:r>
-              <a:rPr lang="ko-KR" altLang="en-US" sz="1500" dirty="0" smtClean="0"/>
-              <a:t>관계가 생성되는 대상 파트인 경우 하위에 </a:t>
-            </a:r>
-            <a:r>
-              <a:rPr lang="en-US" altLang="ko-KR" sz="1500" dirty="0" smtClean="0"/>
-              <a:t>_</a:t>
-            </a:r>
-            <a:r>
-              <a:rPr lang="en-US" altLang="ko-KR" sz="1500" dirty="0" err="1" smtClean="0"/>
-              <a:t>rels</a:t>
-            </a:r>
-            <a:r>
-              <a:rPr lang="en-US" altLang="ko-KR" sz="1500" dirty="0" smtClean="0"/>
-              <a:t> </a:t>
-            </a:r>
-            <a:r>
-              <a:rPr lang="ko-KR" altLang="en-US" sz="1500" dirty="0" smtClean="0"/>
-              <a:t>폴더 생성</a:t>
-            </a:r>
-            <a:endParaRPr lang="en-US" altLang="ko-KR" sz="1500" dirty="0" smtClean="0"/>
-          </a:p>
-          <a:p>
-            <a:pPr>
-              <a:lnSpc>
-                <a:spcPct val="80000"/>
-              </a:lnSpc>
-              <a:buFont typeface="Wingdings" panose="05000000000000000000" pitchFamily="2" charset="2"/>
-              <a:buChar char="§"/>
-            </a:pPr>
-            <a:r>
-              <a:rPr lang="en-US" altLang="ko-KR" sz="1500" dirty="0" smtClean="0"/>
-              <a:t>_</a:t>
-            </a:r>
-            <a:r>
-              <a:rPr lang="en-US" altLang="ko-KR" sz="1500" dirty="0" err="1" smtClean="0"/>
-              <a:t>rels</a:t>
-            </a:r>
-            <a:r>
-              <a:rPr lang="en-US" altLang="ko-KR" sz="1500" dirty="0" smtClean="0"/>
-              <a:t> </a:t>
-            </a:r>
-            <a:r>
-              <a:rPr lang="ko-KR" altLang="en-US" sz="1500" dirty="0" smtClean="0"/>
-              <a:t>폴더에는 관계 내용이 저장</a:t>
-            </a:r>
-            <a:r>
-              <a:rPr lang="en-US" altLang="ko-KR" sz="1500" dirty="0" smtClean="0"/>
-              <a:t>(.</a:t>
-            </a:r>
-            <a:r>
-              <a:rPr lang="en-US" altLang="ko-KR" sz="1500" dirty="0" err="1" smtClean="0"/>
-              <a:t>rels</a:t>
-            </a:r>
-            <a:r>
-              <a:rPr lang="en-US" altLang="ko-KR" sz="1500" dirty="0" smtClean="0"/>
-              <a:t>)</a:t>
-            </a:r>
-          </a:p>
-          <a:p>
-            <a:pPr>
-              <a:lnSpc>
-                <a:spcPct val="80000"/>
-              </a:lnSpc>
-              <a:buFont typeface="Wingdings" panose="05000000000000000000" pitchFamily="2" charset="2"/>
-              <a:buChar char="§"/>
-            </a:pPr>
-            <a:r>
-              <a:rPr lang="ko-KR" altLang="en-US" sz="1500" dirty="0" smtClean="0"/>
-              <a:t>관계의 </a:t>
-            </a:r>
-            <a:r>
-              <a:rPr lang="ko-KR" altLang="en-US" sz="1500" dirty="0"/>
-              <a:t>이름은 원본 파트의 파일 이름에 </a:t>
-            </a:r>
-            <a:r>
-              <a:rPr lang="en-US" altLang="ko-KR" sz="1500" dirty="0"/>
-              <a:t>.</a:t>
-            </a:r>
-            <a:r>
-              <a:rPr lang="en-US" altLang="ko-KR" sz="1500" dirty="0" err="1"/>
-              <a:t>rels</a:t>
-            </a:r>
-            <a:r>
-              <a:rPr lang="en-US" altLang="ko-KR" sz="1500" dirty="0"/>
-              <a:t> </a:t>
-            </a:r>
-            <a:r>
-              <a:rPr lang="ko-KR" altLang="en-US" sz="1500" dirty="0"/>
-              <a:t>확장명을 붙이는 방식으로 </a:t>
-            </a:r>
-            <a:r>
-              <a:rPr lang="ko-KR" altLang="en-US" sz="1500" dirty="0" smtClean="0"/>
-              <a:t>파생</a:t>
-            </a:r>
-            <a:endParaRPr lang="en-US" altLang="ko-KR" sz="1500" dirty="0" smtClean="0"/>
-          </a:p>
-          <a:p>
-            <a:pPr lvl="1">
-              <a:lnSpc>
-                <a:spcPct val="80000"/>
-              </a:lnSpc>
-              <a:buFont typeface="Wingdings" panose="05000000000000000000" pitchFamily="2" charset="2"/>
-              <a:buChar char="§"/>
-            </a:pPr>
-            <a:r>
-              <a:rPr lang="ko-KR" altLang="en-US" sz="1300" dirty="0" smtClean="0"/>
-              <a:t>예외적으로 </a:t>
-            </a:r>
-            <a:r>
-              <a:rPr lang="ko-KR" altLang="en-US" sz="1300" dirty="0"/>
-              <a:t>문서 파일에 대한 관계 파트의 이름은 </a:t>
-            </a:r>
-            <a:r>
-              <a:rPr lang="en-US" altLang="ko-KR" sz="1300" dirty="0"/>
-              <a:t>".</a:t>
-            </a:r>
-            <a:r>
-              <a:rPr lang="en-US" altLang="ko-KR" sz="1300" dirty="0" err="1" smtClean="0"/>
-              <a:t>rels</a:t>
-            </a:r>
-            <a:r>
-              <a:rPr lang="en-US" altLang="ko-KR" sz="1300" dirty="0" smtClean="0"/>
-              <a:t>“</a:t>
-            </a:r>
-          </a:p>
-          <a:p>
-            <a:pPr lvl="1">
-              <a:lnSpc>
-                <a:spcPct val="80000"/>
-              </a:lnSpc>
-              <a:buFont typeface="Wingdings" panose="05000000000000000000" pitchFamily="2" charset="2"/>
-              <a:buChar char="§"/>
-            </a:pPr>
-            <a:r>
-              <a:rPr lang="en-US" altLang="ko-KR" sz="1300" dirty="0" smtClean="0"/>
-              <a:t>\_</a:t>
-            </a:r>
-            <a:r>
-              <a:rPr lang="en-US" altLang="ko-KR" sz="1300" dirty="0" err="1" smtClean="0"/>
-              <a:t>rels</a:t>
-            </a:r>
-            <a:r>
-              <a:rPr lang="en-US" altLang="ko-KR" sz="1300" dirty="0" smtClean="0"/>
-              <a:t>		: .</a:t>
-            </a:r>
-            <a:r>
-              <a:rPr lang="en-US" altLang="ko-KR" sz="1300" dirty="0" err="1" smtClean="0"/>
-              <a:t>rels</a:t>
-            </a:r>
-            <a:endParaRPr lang="en-US" altLang="ko-KR" sz="1300" dirty="0" smtClean="0"/>
-          </a:p>
-          <a:p>
-            <a:pPr lvl="1">
-              <a:lnSpc>
-                <a:spcPct val="80000"/>
-              </a:lnSpc>
-              <a:buFont typeface="Wingdings" panose="05000000000000000000" pitchFamily="2" charset="2"/>
-              <a:buChar char="§"/>
-            </a:pPr>
-            <a:r>
-              <a:rPr lang="en-US" altLang="ko-KR" sz="1300" dirty="0" smtClean="0"/>
-              <a:t>\</a:t>
-            </a:r>
-            <a:r>
-              <a:rPr lang="en-US" altLang="ko-KR" sz="1300" dirty="0" err="1" smtClean="0"/>
-              <a:t>ppt</a:t>
-            </a:r>
-            <a:r>
-              <a:rPr lang="en-US" altLang="ko-KR" sz="1300" dirty="0" smtClean="0"/>
-              <a:t>\_</a:t>
-            </a:r>
-            <a:r>
-              <a:rPr lang="en-US" altLang="ko-KR" sz="1300" dirty="0" err="1" smtClean="0"/>
-              <a:t>rels</a:t>
-            </a:r>
-            <a:r>
-              <a:rPr lang="en-US" altLang="ko-KR" sz="1300" dirty="0" smtClean="0"/>
-              <a:t>		: presentation.xml -&gt; </a:t>
-            </a:r>
-            <a:r>
-              <a:rPr lang="en-US" altLang="ko-KR" sz="1300" dirty="0" err="1" smtClean="0"/>
-              <a:t>presentation.xml.rels</a:t>
-            </a:r>
-            <a:endParaRPr lang="en-US" altLang="ko-KR" sz="1300" dirty="0" smtClean="0"/>
-          </a:p>
-          <a:p>
-            <a:pPr lvl="1">
-              <a:lnSpc>
-                <a:spcPct val="80000"/>
-              </a:lnSpc>
-              <a:buFont typeface="Wingdings" panose="05000000000000000000" pitchFamily="2" charset="2"/>
-              <a:buChar char="§"/>
-            </a:pPr>
-            <a:r>
-              <a:rPr lang="en-US" altLang="ko-KR" sz="1300" dirty="0" smtClean="0"/>
-              <a:t>\</a:t>
-            </a:r>
-            <a:r>
-              <a:rPr lang="en-US" altLang="ko-KR" sz="1300" dirty="0" err="1" smtClean="0"/>
-              <a:t>ppt</a:t>
-            </a:r>
-            <a:r>
-              <a:rPr lang="en-US" altLang="ko-KR" sz="1300" dirty="0" smtClean="0"/>
-              <a:t>\slides\_</a:t>
-            </a:r>
-            <a:r>
-              <a:rPr lang="en-US" altLang="ko-KR" sz="1300" dirty="0" err="1" smtClean="0"/>
-              <a:t>rels</a:t>
-            </a:r>
-            <a:r>
-              <a:rPr lang="en-US" altLang="ko-KR" sz="1300" dirty="0"/>
-              <a:t>	</a:t>
-            </a:r>
-            <a:r>
-              <a:rPr lang="en-US" altLang="ko-KR" sz="1300" dirty="0" smtClean="0"/>
-              <a:t>: s</a:t>
-            </a:r>
-            <a:r>
-              <a:rPr lang="en-US" altLang="ko-KR" sz="1300" dirty="0" smtClean="0"/>
-              <a:t>lide1.xml -&gt; slide1.xml.rel</a:t>
-            </a:r>
-            <a:endParaRPr lang="en-US" altLang="ko-KR" sz="1300" dirty="0"/>
-          </a:p>
-        </p:txBody>
-      </p:sp>
       <p:pic>
         <p:nvPicPr>
-          <p:cNvPr id="5" name="내용 개체 틀 4"/>
-          <p:cNvPicPr>
-            <a:picLocks noGrp="1" noChangeAspect="1"/>
-          </p:cNvPicPr>
-          <p:nvPr>
-            <p:ph sz="half" idx="1"/>
-          </p:nvPr>
-        </p:nvPicPr>
-        <p:blipFill>
-          <a:blip r:embed="rId2"/>
-          <a:stretch>
-            <a:fillRect/>
-          </a:stretch>
-        </p:blipFill>
-        <p:spPr>
-          <a:xfrm>
-            <a:off x="838200" y="1946103"/>
-            <a:ext cx="10515600" cy="1005989"/>
-          </a:xfrm>
-          <a:prstGeom prst="rect">
-            <a:avLst/>
-          </a:prstGeom>
-        </p:spPr>
-      </p:pic>
-    </p:spTree>
-    <p:extLst>
-      <p:ext uri="{BB962C8B-B14F-4D97-AF65-F5344CB8AC3E}">
-        <p14:creationId xmlns:p14="http://schemas.microsoft.com/office/powerpoint/2010/main" val="2864978564"/>
-      </p:ext>
-    </p:extLst>
-  </p:cSld>
-  <p:clrMapOvr>
-    <a:masterClrMapping/>
-  </p:clrMapOvr>
-  <p:timing>
-    <p:tnLst>
-      <p:par>
-        <p:cTn id="1" dur="indefinite" restart="never" nodeType="tmRoot"/>
-      </p:par>
-    </p:tnLst>
-  </p:timing>
-</p:sld>
-</file>
-
-<file path=ppt/slides/slide4.xml><?xml version="1.0" encoding="utf-8"?>
-<p:sld xmlns:a="http://schemas.openxmlformats.org/drawingml/2006/main" xmlns:r="http://schemas.openxmlformats.org/officeDocument/2006/relationships" xmlns:p="http://schemas.openxmlformats.org/presentationml/2006/main">
-  <p:cSld>
-    <p:spTree>
-      <p:nvGrpSpPr>
-        <p:cNvPr id="1" name=""/>
-        <p:cNvGrpSpPr/>
-        <p:nvPr/>
-      </p:nvGrpSpPr>
-      <p:grpSpPr>
-        <a:xfrm>
-          <a:off x="0" y="0"/>
-          <a:ext cx="0" cy="0"/>
-          <a:chOff x="0" y="0"/>
-          <a:chExt cx="0" cy="0"/>
-        </a:xfrm>
-      </p:grpSpPr>
-      <p:sp>
-        <p:nvSpPr>
-          <p:cNvPr id="2" name="제목 1"/>
-          <p:cNvSpPr>
-            <a:spLocks noGrp="1"/>
-          </p:cNvSpPr>
-          <p:nvPr>
-            <p:ph type="title"/>
-          </p:nvPr>
-        </p:nvSpPr>
-        <p:spPr/>
-        <p:txBody>
-          <a:bodyPr/>
-          <a:lstStyle/>
-          <a:p>
-            <a:r>
-              <a:rPr lang="en-US" altLang="ko-KR" dirty="0" err="1" smtClean="0"/>
-              <a:t>docProps</a:t>
-            </a:r>
-            <a:endParaRPr lang="ko-KR" altLang="en-US" dirty="0"/>
-          </a:p>
-        </p:txBody>
-      </p:sp>
-      <p:pic>
-        <p:nvPicPr>
-          <p:cNvPr id="6" name="내용 개체 틀 5"/>
-          <p:cNvPicPr>
-            <a:picLocks noGrp="1" noChangeAspect="1"/>
-          </p:cNvPicPr>
-          <p:nvPr>
-            <p:ph sz="half" idx="1"/>
-          </p:nvPr>
-        </p:nvPicPr>
-        <p:blipFill>
-          <a:blip r:embed="rId2"/>
-          <a:stretch>
-            <a:fillRect/>
-          </a:stretch>
-        </p:blipFill>
-        <p:spPr>
-          <a:xfrm>
-            <a:off x="838200" y="1385482"/>
-            <a:ext cx="4912231" cy="5231623"/>
-          </a:xfrm>
-          <a:prstGeom prst="rect">
-            <a:avLst/>
-          </a:prstGeom>
-        </p:spPr>
-      </p:pic>
-      <p:sp>
-        <p:nvSpPr>
-          <p:cNvPr id="7" name="내용 개체 틀 6"/>
-          <p:cNvSpPr>
-            <a:spLocks noGrp="1"/>
-          </p:cNvSpPr>
-          <p:nvPr>
-            <p:ph sz="half" idx="2"/>
-          </p:nvPr>
-        </p:nvSpPr>
-        <p:spPr>
-          <a:xfrm>
-            <a:off x="4640980" y="1940553"/>
-            <a:ext cx="6156255" cy="1949605"/>
-          </a:xfrm>
-        </p:spPr>
-        <p:txBody>
-          <a:bodyPr>
-            <a:normAutofit/>
-          </a:bodyPr>
-          <a:lstStyle/>
-          <a:p>
-            <a:pPr>
-              <a:buFont typeface="Wingdings" panose="05000000000000000000" pitchFamily="2" charset="2"/>
-              <a:buChar char="§"/>
-            </a:pPr>
-            <a:r>
-              <a:rPr lang="ko-KR" altLang="en-US" sz="2400" dirty="0" smtClean="0"/>
-              <a:t>문서 속성이 논리 </a:t>
-            </a:r>
-            <a:r>
-              <a:rPr lang="en-US" altLang="ko-KR" sz="2400" dirty="0" smtClean="0"/>
-              <a:t>XML </a:t>
-            </a:r>
-            <a:r>
-              <a:rPr lang="ko-KR" altLang="en-US" sz="2400" dirty="0" smtClean="0"/>
-              <a:t>파트로 구분</a:t>
-            </a:r>
-            <a:endParaRPr lang="en-US" altLang="ko-KR" sz="2400" dirty="0" smtClean="0"/>
-          </a:p>
-          <a:p>
-            <a:pPr>
-              <a:buFont typeface="Wingdings" panose="05000000000000000000" pitchFamily="2" charset="2"/>
-              <a:buChar char="§"/>
-            </a:pPr>
-            <a:r>
-              <a:rPr lang="ko-KR" altLang="en-US" sz="2400" dirty="0" smtClean="0"/>
-              <a:t>쉽게 액세스 가능</a:t>
-            </a:r>
-            <a:endParaRPr lang="en-US" altLang="ko-KR" sz="2400" dirty="0" smtClean="0"/>
-          </a:p>
-          <a:p>
-            <a:pPr lvl="1">
-              <a:buFont typeface="Wingdings" panose="05000000000000000000" pitchFamily="2" charset="2"/>
-              <a:buChar char="§"/>
-            </a:pPr>
-            <a:r>
-              <a:rPr lang="ko-KR" altLang="en-US" sz="2000" dirty="0" smtClean="0"/>
-              <a:t>항상 동일한 위치</a:t>
-            </a:r>
-            <a:endParaRPr lang="en-US" altLang="ko-KR" sz="2000" dirty="0" smtClean="0"/>
-          </a:p>
-          <a:p>
-            <a:pPr lvl="1">
-              <a:buFont typeface="Wingdings" panose="05000000000000000000" pitchFamily="2" charset="2"/>
-              <a:buChar char="§"/>
-            </a:pPr>
-            <a:r>
-              <a:rPr lang="ko-KR" altLang="en-US" sz="2000" dirty="0" smtClean="0"/>
-              <a:t>다른 문서 </a:t>
-            </a:r>
-            <a:r>
-              <a:rPr lang="ko-KR" altLang="en-US" sz="2000" dirty="0" err="1" smtClean="0"/>
-              <a:t>콘텐츠와</a:t>
-            </a:r>
-            <a:r>
-              <a:rPr lang="ko-KR" altLang="en-US" sz="2000" dirty="0" smtClean="0"/>
-              <a:t> 섞이지 않음</a:t>
-            </a:r>
-            <a:endParaRPr lang="en-US" altLang="ko-KR" sz="2000" dirty="0" smtClean="0"/>
-          </a:p>
-        </p:txBody>
-      </p:sp>
-      <p:pic>
-        <p:nvPicPr>
-          <p:cNvPr id="8" name="내용 개체 틀 4"/>
+          <p:cNvPr id="8" name="그림 7"/>
           <p:cNvPicPr>
             <a:picLocks noChangeAspect="1"/>
           </p:cNvPicPr>
@@ -3886,355 +3535,8 @@
         </p:blipFill>
         <p:spPr>
           <a:xfrm>
-            <a:off x="4326427" y="4546880"/>
-            <a:ext cx="6801725" cy="1298575"/>
-          </a:xfrm>
-          <a:prstGeom prst="rect">
-            <a:avLst/>
-          </a:prstGeom>
-        </p:spPr>
-      </p:pic>
-      <p:sp>
-        <p:nvSpPr>
-          <p:cNvPr id="9" name="TextBox 8"/>
-          <p:cNvSpPr txBox="1"/>
-          <p:nvPr/>
-        </p:nvSpPr>
-        <p:spPr>
-          <a:xfrm>
-            <a:off x="2918765" y="2157984"/>
-            <a:ext cx="998991" cy="369332"/>
-          </a:xfrm>
-          <a:prstGeom prst="rect">
-            <a:avLst/>
-          </a:prstGeom>
-          <a:noFill/>
-        </p:spPr>
-        <p:txBody>
-          <a:bodyPr wrap="none" rtlCol="0">
-            <a:spAutoFit/>
-          </a:bodyPr>
-          <a:lstStyle/>
-          <a:p>
-            <a:r>
-              <a:rPr lang="en-US" altLang="ko-KR" dirty="0">
-                <a:effectLst>
-                  <a:outerShdw blurRad="38100" dist="38100" dir="2700000" algn="tl">
-                    <a:srgbClr val="000000">
-                      <a:alpha val="43137"/>
-                    </a:srgbClr>
-                  </a:outerShdw>
-                </a:effectLst>
-              </a:rPr>
-              <a:t>a</a:t>
-            </a:r>
-            <a:r>
-              <a:rPr lang="en-US" altLang="ko-KR" dirty="0" smtClean="0">
-                <a:effectLst>
-                  <a:outerShdw blurRad="38100" dist="38100" dir="2700000" algn="tl">
-                    <a:srgbClr val="000000">
-                      <a:alpha val="43137"/>
-                    </a:srgbClr>
-                  </a:outerShdw>
-                </a:effectLst>
-              </a:rPr>
-              <a:t>pp.xml</a:t>
-            </a:r>
-            <a:endParaRPr lang="ko-KR" altLang="en-US" dirty="0">
-              <a:effectLst>
-                <a:outerShdw blurRad="38100" dist="38100" dir="2700000" algn="tl">
-                  <a:srgbClr val="000000">
-                    <a:alpha val="43137"/>
-                  </a:srgbClr>
-                </a:outerShdw>
-              </a:effectLst>
-            </a:endParaRPr>
-          </a:p>
-        </p:txBody>
-      </p:sp>
-      <p:sp>
-        <p:nvSpPr>
-          <p:cNvPr id="10" name="TextBox 9"/>
-          <p:cNvSpPr txBox="1"/>
-          <p:nvPr/>
-        </p:nvSpPr>
-        <p:spPr>
-          <a:xfrm>
-            <a:off x="4414739" y="4111142"/>
-            <a:ext cx="1051826" cy="369332"/>
-          </a:xfrm>
-          <a:prstGeom prst="rect">
-            <a:avLst/>
-          </a:prstGeom>
-          <a:noFill/>
-        </p:spPr>
-        <p:txBody>
-          <a:bodyPr wrap="none" rtlCol="0">
-            <a:spAutoFit/>
-          </a:bodyPr>
-          <a:lstStyle/>
-          <a:p>
-            <a:r>
-              <a:rPr lang="en-US" altLang="ko-KR" dirty="0" smtClean="0">
-                <a:effectLst>
-                  <a:outerShdw blurRad="38100" dist="38100" dir="2700000" algn="tl">
-                    <a:srgbClr val="000000">
-                      <a:alpha val="43137"/>
-                    </a:srgbClr>
-                  </a:outerShdw>
-                </a:effectLst>
-              </a:rPr>
-              <a:t>core.xml</a:t>
-            </a:r>
-            <a:endParaRPr lang="ko-KR" altLang="en-US" dirty="0">
-              <a:effectLst>
-                <a:outerShdw blurRad="38100" dist="38100" dir="2700000" algn="tl">
-                  <a:srgbClr val="000000">
-                    <a:alpha val="43137"/>
-                  </a:srgbClr>
-                </a:outerShdw>
-              </a:effectLst>
-            </a:endParaRPr>
-          </a:p>
-        </p:txBody>
-      </p:sp>
-    </p:spTree>
-    <p:extLst>
-      <p:ext uri="{BB962C8B-B14F-4D97-AF65-F5344CB8AC3E}">
-        <p14:creationId xmlns:p14="http://schemas.microsoft.com/office/powerpoint/2010/main" val="4248610672"/>
-      </p:ext>
-    </p:extLst>
-  </p:cSld>
-  <p:clrMapOvr>
-    <a:masterClrMapping/>
-  </p:clrMapOvr>
-  <p:timing>
-    <p:tnLst>
-      <p:par>
-        <p:cTn id="1" dur="indefinite" restart="never" nodeType="tmRoot"/>
-      </p:par>
-    </p:tnLst>
-  </p:timing>
-</p:sld>
-</file>
-
-<file path=ppt/slides/slide5.xml><?xml version="1.0" encoding="utf-8"?>
-<p:sld xmlns:a="http://schemas.openxmlformats.org/drawingml/2006/main" xmlns:r="http://schemas.openxmlformats.org/officeDocument/2006/relationships" xmlns:p="http://schemas.openxmlformats.org/presentationml/2006/main">
-  <p:cSld>
-    <p:spTree>
-      <p:nvGrpSpPr>
-        <p:cNvPr id="1" name=""/>
-        <p:cNvGrpSpPr/>
-        <p:nvPr/>
-      </p:nvGrpSpPr>
-      <p:grpSpPr>
-        <a:xfrm>
-          <a:off x="0" y="0"/>
-          <a:ext cx="0" cy="0"/>
-          <a:chOff x="0" y="0"/>
-          <a:chExt cx="0" cy="0"/>
-        </a:xfrm>
-      </p:grpSpPr>
-      <p:sp>
-        <p:nvSpPr>
-          <p:cNvPr id="2" name="제목 1"/>
-          <p:cNvSpPr>
-            <a:spLocks noGrp="1"/>
-          </p:cNvSpPr>
-          <p:nvPr>
-            <p:ph type="title"/>
-          </p:nvPr>
-        </p:nvSpPr>
-        <p:spPr/>
-        <p:txBody>
-          <a:bodyPr/>
-          <a:lstStyle/>
-          <a:p>
-            <a:r>
-              <a:rPr lang="en-US" altLang="ko-KR" dirty="0" err="1" smtClean="0"/>
-              <a:t>ppt</a:t>
-            </a:r>
-            <a:r>
-              <a:rPr lang="en-US" altLang="ko-KR" dirty="0" smtClean="0"/>
-              <a:t> -</a:t>
-            </a:r>
-            <a:r>
-              <a:rPr lang="en-US" altLang="ko-KR" dirty="0" err="1" smtClean="0"/>
-              <a:t>SlideMaster</a:t>
-            </a:r>
-            <a:endParaRPr lang="ko-KR" altLang="en-US" dirty="0"/>
-          </a:p>
-        </p:txBody>
-      </p:sp>
-      <p:pic>
-        <p:nvPicPr>
-          <p:cNvPr id="8" name="내용 개체 틀 7"/>
-          <p:cNvPicPr>
-            <a:picLocks noGrp="1" noChangeAspect="1"/>
-          </p:cNvPicPr>
-          <p:nvPr>
-            <p:ph sz="half" idx="2"/>
-          </p:nvPr>
-        </p:nvPicPr>
-        <p:blipFill>
-          <a:blip r:embed="rId2"/>
-          <a:stretch>
-            <a:fillRect/>
-          </a:stretch>
-        </p:blipFill>
-        <p:spPr>
-          <a:xfrm>
-            <a:off x="6657514" y="1825625"/>
-            <a:ext cx="4210972" cy="4351338"/>
-          </a:xfrm>
-          <a:prstGeom prst="rect">
-            <a:avLst/>
-          </a:prstGeom>
-        </p:spPr>
-      </p:pic>
-      <p:pic>
-        <p:nvPicPr>
-          <p:cNvPr id="5" name="내용 개체 틀 3"/>
-          <p:cNvPicPr>
-            <a:picLocks noGrp="1" noChangeAspect="1"/>
-          </p:cNvPicPr>
-          <p:nvPr>
-            <p:ph sz="half" idx="1"/>
-          </p:nvPr>
-        </p:nvPicPr>
-        <p:blipFill>
-          <a:blip r:embed="rId3">
-            <a:extLst>
-              <a:ext uri="{28A0092B-C50C-407E-A947-70E740481C1C}">
-                <a14:useLocalDpi xmlns:a14="http://schemas.microsoft.com/office/drawing/2010/main" val="0"/>
-              </a:ext>
-            </a:extLst>
-          </a:blip>
-          <a:stretch>
-            <a:fillRect/>
-          </a:stretch>
-        </p:blipFill>
-        <p:spPr>
-          <a:xfrm>
-            <a:off x="1296790" y="1825625"/>
-            <a:ext cx="4264420" cy="4351338"/>
-          </a:xfrm>
-        </p:spPr>
-      </p:pic>
-    </p:spTree>
-    <p:extLst>
-      <p:ext uri="{BB962C8B-B14F-4D97-AF65-F5344CB8AC3E}">
-        <p14:creationId xmlns:p14="http://schemas.microsoft.com/office/powerpoint/2010/main" val="2590825338"/>
-      </p:ext>
-    </p:extLst>
-  </p:cSld>
-  <p:clrMapOvr>
-    <a:masterClrMapping/>
-  </p:clrMapOvr>
-  <p:timing>
-    <p:tnLst>
-      <p:par>
-        <p:cTn id="1" dur="indefinite" restart="never" nodeType="tmRoot"/>
-      </p:par>
-    </p:tnLst>
-  </p:timing>
-</p:sld>
-</file>
-
-<file path=ppt/slides/slide6.xml><?xml version="1.0" encoding="utf-8"?>
-<p:sld xmlns:a="http://schemas.openxmlformats.org/drawingml/2006/main" xmlns:r="http://schemas.openxmlformats.org/officeDocument/2006/relationships" xmlns:p="http://schemas.openxmlformats.org/presentationml/2006/main">
-  <p:cSld>
-    <p:spTree>
-      <p:nvGrpSpPr>
-        <p:cNvPr id="1" name=""/>
-        <p:cNvGrpSpPr/>
-        <p:nvPr/>
-      </p:nvGrpSpPr>
-      <p:grpSpPr>
-        <a:xfrm>
-          <a:off x="0" y="0"/>
-          <a:ext cx="0" cy="0"/>
-          <a:chOff x="0" y="0"/>
-          <a:chExt cx="0" cy="0"/>
-        </a:xfrm>
-      </p:grpSpPr>
-      <p:sp>
-        <p:nvSpPr>
-          <p:cNvPr id="2" name="제목 1"/>
-          <p:cNvSpPr>
-            <a:spLocks noGrp="1"/>
-          </p:cNvSpPr>
-          <p:nvPr>
-            <p:ph type="title"/>
-          </p:nvPr>
-        </p:nvSpPr>
-        <p:spPr/>
-        <p:txBody>
-          <a:bodyPr/>
-          <a:lstStyle/>
-          <a:p>
-            <a:r>
-              <a:rPr lang="en-US" altLang="ko-KR" dirty="0" err="1" smtClean="0"/>
-              <a:t>ppt</a:t>
-            </a:r>
-            <a:r>
-              <a:rPr lang="en-US" altLang="ko-KR" dirty="0" smtClean="0"/>
-              <a:t> - </a:t>
-            </a:r>
-            <a:r>
-              <a:rPr lang="en-US" altLang="ko-KR" dirty="0" err="1" smtClean="0"/>
-              <a:t>SlideLayout</a:t>
-            </a:r>
-            <a:endParaRPr lang="ko-KR" altLang="en-US" dirty="0"/>
-          </a:p>
-        </p:txBody>
-      </p:sp>
-      <p:pic>
-        <p:nvPicPr>
-          <p:cNvPr id="5" name="내용 개체 틀 4"/>
-          <p:cNvPicPr>
-            <a:picLocks noGrp="1" noChangeAspect="1"/>
-          </p:cNvPicPr>
-          <p:nvPr>
-            <p:ph sz="half" idx="1"/>
-          </p:nvPr>
-        </p:nvPicPr>
-        <p:blipFill>
-          <a:blip r:embed="rId2"/>
-          <a:stretch>
-            <a:fillRect/>
-          </a:stretch>
-        </p:blipFill>
-        <p:spPr>
-          <a:xfrm>
-            <a:off x="838200" y="2877733"/>
-            <a:ext cx="5181600" cy="2247122"/>
-          </a:xfrm>
-          <a:prstGeom prst="rect">
-            <a:avLst/>
-          </a:prstGeom>
-        </p:spPr>
-      </p:pic>
-      <p:pic>
-        <p:nvPicPr>
-          <p:cNvPr id="6" name="내용 개체 틀 5"/>
-          <p:cNvPicPr>
-            <a:picLocks noGrp="1" noChangeAspect="1"/>
-          </p:cNvPicPr>
-          <p:nvPr>
-            <p:ph sz="half" idx="2"/>
-          </p:nvPr>
-        </p:nvPicPr>
-        <p:blipFill>
-          <a:blip r:embed="rId3"/>
-          <a:stretch>
-            <a:fillRect/>
-          </a:stretch>
-        </p:blipFill>
-        <p:spPr>
-          <a:xfrm>
-            <a:off x="6172200" y="2344502"/>
-            <a:ext cx="5181600" cy="3313583"/>
+            <a:off x="4695825" y="1780041"/>
+            <a:ext cx="6657975" cy="4755696"/>
           </a:xfrm>
           <a:prstGeom prst="rect">
             <a:avLst/>
@@ -4261,7 +3563,135 @@
 </p:sld>
 </file>
 
-<file path=ppt/slides/slide7.xml><?xml version="1.0" encoding="utf-8"?>
+<file path=ppt/slides/slide11.xml><?xml version="1.0" encoding="utf-8"?>
+<p:sld xmlns:a="http://schemas.openxmlformats.org/drawingml/2006/main" xmlns:r="http://schemas.openxmlformats.org/officeDocument/2006/relationships" xmlns:p="http://schemas.openxmlformats.org/presentationml/2006/main" show="0">
+  <p:cSld>
+    <p:spTree>
+      <p:nvGrpSpPr>
+        <p:cNvPr id="1" name=""/>
+        <p:cNvGrpSpPr/>
+        <p:nvPr/>
+      </p:nvGrpSpPr>
+      <p:grpSpPr>
+        <a:xfrm>
+          <a:off x="0" y="0"/>
+          <a:ext cx="0" cy="0"/>
+          <a:chOff x="0" y="0"/>
+          <a:chExt cx="0" cy="0"/>
+        </a:xfrm>
+      </p:grpSpPr>
+      <p:sp>
+        <p:nvSpPr>
+          <p:cNvPr id="2" name="제목 1"/>
+          <p:cNvSpPr>
+            <a:spLocks noGrp="1"/>
+          </p:cNvSpPr>
+          <p:nvPr>
+            <p:ph type="title"/>
+          </p:nvPr>
+        </p:nvSpPr>
+        <p:spPr/>
+        <p:txBody>
+          <a:bodyPr/>
+          <a:lstStyle/>
+          <a:p>
+            <a:r>
+              <a:rPr lang="en-US" altLang="ko-KR" dirty="0" err="1" smtClean="0"/>
+              <a:t>ppt</a:t>
+            </a:r>
+            <a:r>
+              <a:rPr lang="en-US" altLang="ko-KR" dirty="0" smtClean="0"/>
+              <a:t> - </a:t>
+            </a:r>
+            <a:r>
+              <a:rPr lang="en-US" altLang="ko-KR" dirty="0" err="1" smtClean="0"/>
+              <a:t>SlideLayout</a:t>
+            </a:r>
+            <a:endParaRPr lang="ko-KR" altLang="en-US" dirty="0"/>
+          </a:p>
+        </p:txBody>
+      </p:sp>
+      <p:pic>
+        <p:nvPicPr>
+          <p:cNvPr id="5" name="내용 개체 틀 4"/>
+          <p:cNvPicPr>
+            <a:picLocks noGrp="1" noChangeAspect="1"/>
+          </p:cNvPicPr>
+          <p:nvPr>
+            <p:ph sz="half" idx="1"/>
+          </p:nvPr>
+        </p:nvPicPr>
+        <p:blipFill>
+          <a:blip r:embed="rId2"/>
+          <a:stretch>
+            <a:fillRect/>
+          </a:stretch>
+        </p:blipFill>
+        <p:spPr>
+          <a:xfrm>
+            <a:off x="838200" y="2877733"/>
+            <a:ext cx="5181600" cy="2247122"/>
+          </a:xfrm>
+          <a:prstGeom prst="rect">
+            <a:avLst/>
+          </a:prstGeom>
+        </p:spPr>
+      </p:pic>
+      <p:pic>
+        <p:nvPicPr>
+          <p:cNvPr id="6" name="내용 개체 틀 5"/>
+          <p:cNvPicPr>
+            <a:picLocks noGrp="1" noChangeAspect="1"/>
+          </p:cNvPicPr>
+          <p:nvPr>
+            <p:ph sz="half" idx="2"/>
+          </p:nvPr>
+        </p:nvPicPr>
+        <p:blipFill>
+          <a:blip r:embed="rId3"/>
+          <a:stretch>
+            <a:fillRect/>
+          </a:stretch>
+        </p:blipFill>
+        <p:spPr>
+          <a:xfrm>
+            <a:off x="6172200" y="2344502"/>
+            <a:ext cx="5181600" cy="3313583"/>
+          </a:xfrm>
+          <a:prstGeom prst="rect">
+            <a:avLst/>
+          </a:prstGeom>
+        </p:spPr>
+      </p:pic>
+    </p:spTree>
+    <p:extLst>
+      <p:ext uri="{BB962C8B-B14F-4D97-AF65-F5344CB8AC3E}">
+        <p14:creationId xmlns:p14="http://schemas.microsoft.com/office/powerpoint/2010/main" val="4232028000"/>
+      </p:ext>
+    </p:extLst>
+  </p:cSld>
+  <p:clrMapOvr>
+    <a:masterClrMapping/>
+  </p:clrMapOvr>
+  <mc:AlternateContent xmlns:mc="http://schemas.openxmlformats.org/markup-compatibility/2006">
+    <mc:Choice xmlns:p14="http://schemas.microsoft.com/office/powerpoint/2010/main" Requires="p14">
+      <p:transition spd="slow" p14:dur="2000"/>
+    </mc:Choice>
+    <mc:Fallback>
+      <p:transition spd="slow"/>
+    </mc:Fallback>
+  </mc:AlternateContent>
+  <p:timing>
+    <p:tnLst>
+      <p:par>
+        <p:cTn id="1" dur="indefinite" restart="never" nodeType="tmRoot"/>
+      </p:par>
+    </p:tnLst>
+  </p:timing>
+</p:sld>
+</file>
+
+<file path=ppt/slides/slide12.xml><?xml version="1.0" encoding="utf-8"?>
 <p:sld xmlns:a="http://schemas.openxmlformats.org/drawingml/2006/main" xmlns:r="http://schemas.openxmlformats.org/officeDocument/2006/relationships" xmlns:p="http://schemas.openxmlformats.org/presentationml/2006/main">
   <p:cSld>
     <p:spTree>
@@ -4307,13 +3737,11 @@
       </p:sp>
       <p:pic>
         <p:nvPicPr>
-          <p:cNvPr id="6" name="내용 개체 틀 5"/>
+          <p:cNvPr id="8" name="그림 7"/>
           <p:cNvPicPr>
-            <a:picLocks noGrp="1" noChangeAspect="1"/>
+            <a:picLocks noChangeAspect="1"/>
           </p:cNvPicPr>
-          <p:nvPr>
-            <p:ph sz="half" idx="1"/>
-          </p:nvPr>
+          <p:nvPr/>
         </p:nvPicPr>
         <p:blipFill>
           <a:blip r:embed="rId2"/>
@@ -4323,8 +3751,8 @@
         </p:blipFill>
         <p:spPr>
           <a:xfrm>
-            <a:off x="838199" y="1840960"/>
-            <a:ext cx="7498813" cy="4135557"/>
+            <a:off x="1308403" y="1523414"/>
+            <a:ext cx="8273200" cy="4011985"/>
           </a:xfrm>
           <a:prstGeom prst="rect">
             <a:avLst/>
@@ -4333,27 +3761,35 @@
       </p:pic>
       <p:pic>
         <p:nvPicPr>
-          <p:cNvPr id="7" name="내용 개체 틀 6"/>
+          <p:cNvPr id="5" name="그림 4"/>
           <p:cNvPicPr>
-            <a:picLocks noGrp="1" noChangeAspect="1"/>
+            <a:picLocks noChangeAspect="1"/>
           </p:cNvPicPr>
-          <p:nvPr>
-            <p:ph sz="half" idx="2"/>
-          </p:nvPr>
+          <p:nvPr/>
         </p:nvPicPr>
         <p:blipFill rotWithShape="1">
           <a:blip r:embed="rId3"/>
-          <a:srcRect r="19300"/>
+          <a:srcRect l="2183" t="10052" r="52246" b="51227"/>
           <a:stretch/>
         </p:blipFill>
         <p:spPr>
           <a:xfrm>
-            <a:off x="5045659" y="2540004"/>
-            <a:ext cx="6051499" cy="3721402"/>
+            <a:off x="6619875" y="3726473"/>
+            <a:ext cx="4733925" cy="2733675"/>
           </a:xfrm>
           <a:prstGeom prst="rect">
             <a:avLst/>
           </a:prstGeom>
+          <a:ln>
+            <a:noFill/>
+          </a:ln>
+          <a:effectLst>
+            <a:outerShdw blurRad="292100" dist="139700" dir="2700000" algn="tl" rotWithShape="0">
+              <a:srgbClr val="333333">
+                <a:alpha val="65000"/>
+              </a:srgbClr>
+            </a:outerShdw>
+          </a:effectLst>
         </p:spPr>
       </p:pic>
     </p:spTree>
@@ -4376,7 +3812,7 @@
 </p:sld>
 </file>
 
-<file path=ppt/slides/slide8.xml><?xml version="1.0" encoding="utf-8"?>
+<file path=ppt/slides/slide13.xml><?xml version="1.0" encoding="utf-8"?>
 <p:sld xmlns:a="http://schemas.openxmlformats.org/drawingml/2006/main" xmlns:r="http://schemas.openxmlformats.org/officeDocument/2006/relationships" xmlns:p="http://schemas.openxmlformats.org/presentationml/2006/main">
   <p:cSld>
     <p:spTree>
@@ -4613,7 +4049,7 @@
 </p:sld>
 </file>
 
-<file path=ppt/slides/slide9.xml><?xml version="1.0" encoding="utf-8"?>
+<file path=ppt/slides/slide14.xml><?xml version="1.0" encoding="utf-8"?>
 <p:sld xmlns:a="http://schemas.openxmlformats.org/drawingml/2006/main" xmlns:r="http://schemas.openxmlformats.org/officeDocument/2006/relationships" xmlns:p="http://schemas.openxmlformats.org/presentationml/2006/main">
   <p:cSld>
     <p:spTree>
@@ -5205,6 +4641,1839 @@
       <p:bldP spid="10" grpId="0" animBg="1"/>
       <p:bldP spid="9" grpId="0"/>
     </p:bldLst>
+  </p:timing>
+</p:sld>
+</file>
+
+<file path=ppt/slides/slide2.xml><?xml version="1.0" encoding="utf-8"?>
+<p:sld xmlns:a="http://schemas.openxmlformats.org/drawingml/2006/main" xmlns:r="http://schemas.openxmlformats.org/officeDocument/2006/relationships" xmlns:p="http://schemas.openxmlformats.org/presentationml/2006/main" show="0">
+  <p:cSld>
+    <p:spTree>
+      <p:nvGrpSpPr>
+        <p:cNvPr id="1" name=""/>
+        <p:cNvGrpSpPr/>
+        <p:nvPr/>
+      </p:nvGrpSpPr>
+      <p:grpSpPr>
+        <a:xfrm>
+          <a:off x="0" y="0"/>
+          <a:ext cx="0" cy="0"/>
+          <a:chOff x="0" y="0"/>
+          <a:chExt cx="0" cy="0"/>
+        </a:xfrm>
+      </p:grpSpPr>
+      <p:sp>
+        <p:nvSpPr>
+          <p:cNvPr id="2" name="제목 1"/>
+          <p:cNvSpPr>
+            <a:spLocks noGrp="1"/>
+          </p:cNvSpPr>
+          <p:nvPr>
+            <p:ph type="title"/>
+          </p:nvPr>
+        </p:nvSpPr>
+        <p:spPr/>
+        <p:txBody>
+          <a:bodyPr/>
+          <a:lstStyle/>
+          <a:p>
+            <a:r>
+              <a:rPr lang="ko-KR" altLang="en-US" dirty="0" smtClean="0"/>
+              <a:t>패키지 구조</a:t>
+            </a:r>
+            <a:endParaRPr lang="ko-KR" altLang="en-US" dirty="0"/>
+          </a:p>
+        </p:txBody>
+      </p:sp>
+      <p:pic>
+        <p:nvPicPr>
+          <p:cNvPr id="5" name="내용 개체 틀 4"/>
+          <p:cNvPicPr>
+            <a:picLocks noGrp="1" noChangeAspect="1"/>
+          </p:cNvPicPr>
+          <p:nvPr>
+            <p:ph sz="half" idx="1"/>
+          </p:nvPr>
+        </p:nvPicPr>
+        <p:blipFill>
+          <a:blip r:embed="rId2"/>
+          <a:stretch>
+            <a:fillRect/>
+          </a:stretch>
+        </p:blipFill>
+        <p:spPr>
+          <a:xfrm>
+            <a:off x="818198" y="1825626"/>
+            <a:ext cx="5221604" cy="4351336"/>
+          </a:xfrm>
+          <a:prstGeom prst="rect">
+            <a:avLst/>
+          </a:prstGeom>
+        </p:spPr>
+      </p:pic>
+      <p:sp>
+        <p:nvSpPr>
+          <p:cNvPr id="4" name="내용 개체 틀 3"/>
+          <p:cNvSpPr>
+            <a:spLocks noGrp="1"/>
+          </p:cNvSpPr>
+          <p:nvPr>
+            <p:ph sz="half" idx="2"/>
+          </p:nvPr>
+        </p:nvSpPr>
+        <p:spPr/>
+        <p:txBody>
+          <a:bodyPr/>
+          <a:lstStyle/>
+          <a:p>
+            <a:pPr>
+              <a:buFont typeface="Wingdings" panose="05000000000000000000" pitchFamily="2" charset="2"/>
+              <a:buChar char="§"/>
+            </a:pPr>
+            <a:r>
+              <a:rPr lang="en-US" altLang="ko-KR" dirty="0" smtClean="0"/>
+              <a:t>*.</a:t>
+            </a:r>
+            <a:r>
+              <a:rPr lang="en-US" altLang="ko-KR" dirty="0" err="1" smtClean="0"/>
+              <a:t>pptx</a:t>
+            </a:r>
+            <a:r>
+              <a:rPr lang="en-US" altLang="ko-KR" dirty="0" smtClean="0"/>
+              <a:t> </a:t>
+            </a:r>
+            <a:r>
+              <a:rPr lang="ko-KR" altLang="en-US" dirty="0" smtClean="0"/>
+              <a:t>파일에 대한 압축 구조</a:t>
+            </a:r>
+            <a:endParaRPr lang="en-US" altLang="ko-KR" dirty="0" smtClean="0"/>
+          </a:p>
+          <a:p>
+            <a:pPr>
+              <a:buFont typeface="Wingdings" panose="05000000000000000000" pitchFamily="2" charset="2"/>
+              <a:buChar char="§"/>
+            </a:pPr>
+            <a:r>
+              <a:rPr lang="ko-KR" altLang="en-US" dirty="0" smtClean="0"/>
+              <a:t>구성</a:t>
+            </a:r>
+            <a:endParaRPr lang="en-US" altLang="ko-KR" dirty="0" smtClean="0"/>
+          </a:p>
+          <a:p>
+            <a:pPr lvl="1">
+              <a:buFont typeface="Wingdings" panose="05000000000000000000" pitchFamily="2" charset="2"/>
+              <a:buChar char="§"/>
+            </a:pPr>
+            <a:r>
+              <a:rPr lang="en-US" altLang="ko-KR" dirty="0" smtClean="0"/>
+              <a:t>[Content_Types].xml</a:t>
+            </a:r>
+            <a:endParaRPr lang="ko-KR" altLang="en-US" dirty="0" smtClean="0"/>
+          </a:p>
+          <a:p>
+            <a:pPr lvl="1">
+              <a:buFont typeface="Wingdings" panose="05000000000000000000" pitchFamily="2" charset="2"/>
+              <a:buChar char="§"/>
+            </a:pPr>
+            <a:r>
+              <a:rPr lang="en-US" altLang="ko-KR" dirty="0" smtClean="0"/>
+              <a:t>_</a:t>
+            </a:r>
+            <a:r>
+              <a:rPr lang="en-US" altLang="ko-KR" dirty="0" err="1" smtClean="0"/>
+              <a:t>rels</a:t>
+            </a:r>
+            <a:r>
+              <a:rPr lang="en-US" altLang="ko-KR" dirty="0" smtClean="0"/>
+              <a:t>\</a:t>
+            </a:r>
+          </a:p>
+          <a:p>
+            <a:pPr lvl="1">
+              <a:buFont typeface="Wingdings" panose="05000000000000000000" pitchFamily="2" charset="2"/>
+              <a:buChar char="§"/>
+            </a:pPr>
+            <a:r>
+              <a:rPr lang="en-US" altLang="ko-KR" dirty="0" err="1" smtClean="0"/>
+              <a:t>docProps</a:t>
+            </a:r>
+            <a:r>
+              <a:rPr lang="en-US" altLang="ko-KR" dirty="0" smtClean="0"/>
+              <a:t>\</a:t>
+            </a:r>
+          </a:p>
+          <a:p>
+            <a:pPr lvl="1">
+              <a:buFont typeface="Wingdings" panose="05000000000000000000" pitchFamily="2" charset="2"/>
+              <a:buChar char="§"/>
+            </a:pPr>
+            <a:r>
+              <a:rPr lang="en-US" altLang="ko-KR" dirty="0" err="1" smtClean="0"/>
+              <a:t>ppt</a:t>
+            </a:r>
+            <a:r>
+              <a:rPr lang="en-US" altLang="ko-KR" dirty="0" smtClean="0"/>
+              <a:t>\</a:t>
+            </a:r>
+          </a:p>
+        </p:txBody>
+      </p:sp>
+    </p:spTree>
+    <p:extLst>
+      <p:ext uri="{BB962C8B-B14F-4D97-AF65-F5344CB8AC3E}">
+        <p14:creationId xmlns:p14="http://schemas.microsoft.com/office/powerpoint/2010/main" val="1052341810"/>
+      </p:ext>
+    </p:extLst>
+  </p:cSld>
+  <p:clrMapOvr>
+    <a:masterClrMapping/>
+  </p:clrMapOvr>
+  <mc:AlternateContent xmlns:mc="http://schemas.openxmlformats.org/markup-compatibility/2006">
+    <mc:Choice xmlns:p14="http://schemas.microsoft.com/office/powerpoint/2010/main" Requires="p14">
+      <p:transition spd="slow" p14:dur="2000"/>
+    </mc:Choice>
+    <mc:Fallback>
+      <p:transition spd="slow"/>
+    </mc:Fallback>
+  </mc:AlternateContent>
+  <p:timing>
+    <p:tnLst>
+      <p:par>
+        <p:cTn id="1" dur="indefinite" restart="never" nodeType="tmRoot"/>
+      </p:par>
+    </p:tnLst>
+  </p:timing>
+</p:sld>
+</file>
+
+<file path=ppt/slides/slide3.xml><?xml version="1.0" encoding="utf-8"?>
+<p:sld xmlns:a="http://schemas.openxmlformats.org/drawingml/2006/main" xmlns:r="http://schemas.openxmlformats.org/officeDocument/2006/relationships" xmlns:p="http://schemas.openxmlformats.org/presentationml/2006/main">
+  <p:cSld>
+    <p:spTree>
+      <p:nvGrpSpPr>
+        <p:cNvPr id="1" name=""/>
+        <p:cNvGrpSpPr/>
+        <p:nvPr/>
+      </p:nvGrpSpPr>
+      <p:grpSpPr>
+        <a:xfrm>
+          <a:off x="0" y="0"/>
+          <a:ext cx="0" cy="0"/>
+          <a:chOff x="0" y="0"/>
+          <a:chExt cx="0" cy="0"/>
+        </a:xfrm>
+      </p:grpSpPr>
+      <p:sp>
+        <p:nvSpPr>
+          <p:cNvPr id="2" name="제목 1"/>
+          <p:cNvSpPr>
+            <a:spLocks noGrp="1"/>
+          </p:cNvSpPr>
+          <p:nvPr>
+            <p:ph type="title"/>
+          </p:nvPr>
+        </p:nvSpPr>
+        <p:spPr/>
+        <p:txBody>
+          <a:bodyPr/>
+          <a:lstStyle/>
+          <a:p>
+            <a:r>
+              <a:rPr lang="en-US" altLang="ko-KR" dirty="0" smtClean="0"/>
+              <a:t>[Content_Types].xml</a:t>
+            </a:r>
+            <a:endParaRPr lang="ko-KR" altLang="en-US" dirty="0"/>
+          </a:p>
+        </p:txBody>
+      </p:sp>
+      <p:sp>
+        <p:nvSpPr>
+          <p:cNvPr id="4" name="내용 개체 틀 3"/>
+          <p:cNvSpPr>
+            <a:spLocks noGrp="1"/>
+          </p:cNvSpPr>
+          <p:nvPr>
+            <p:ph sz="half" idx="2"/>
+          </p:nvPr>
+        </p:nvSpPr>
+        <p:spPr>
+          <a:xfrm>
+            <a:off x="838200" y="4677255"/>
+            <a:ext cx="10515600" cy="1499708"/>
+          </a:xfrm>
+        </p:spPr>
+        <p:txBody>
+          <a:bodyPr>
+            <a:normAutofit fontScale="92500" lnSpcReduction="10000"/>
+          </a:bodyPr>
+          <a:lstStyle/>
+          <a:p>
+            <a:pPr>
+              <a:lnSpc>
+                <a:spcPct val="100000"/>
+              </a:lnSpc>
+              <a:buFont typeface="Wingdings" panose="05000000000000000000" pitchFamily="2" charset="2"/>
+              <a:buChar char="§"/>
+            </a:pPr>
+            <a:r>
+              <a:rPr lang="en-US" altLang="ko-KR" dirty="0" smtClean="0"/>
+              <a:t>Office Open XML </a:t>
+            </a:r>
+            <a:r>
+              <a:rPr lang="ko-KR" altLang="en-US" dirty="0" smtClean="0"/>
+              <a:t>형식 문서의 최상위 폴더에 존재</a:t>
+            </a:r>
+          </a:p>
+          <a:p>
+            <a:pPr>
+              <a:lnSpc>
+                <a:spcPct val="100000"/>
+              </a:lnSpc>
+              <a:buFont typeface="Wingdings" panose="05000000000000000000" pitchFamily="2" charset="2"/>
+              <a:buChar char="§"/>
+            </a:pPr>
+            <a:r>
+              <a:rPr lang="ko-KR" altLang="en-US" dirty="0" smtClean="0"/>
+              <a:t>문서에 포함된 </a:t>
+            </a:r>
+            <a:r>
+              <a:rPr lang="ko-KR" altLang="en-US" dirty="0" smtClean="0"/>
+              <a:t>모든 </a:t>
+            </a:r>
+            <a:r>
+              <a:rPr lang="ko-KR" altLang="en-US" dirty="0" smtClean="0"/>
+              <a:t>파트를 식별하는 용도로 사용</a:t>
+            </a:r>
+          </a:p>
+          <a:p>
+            <a:pPr>
+              <a:lnSpc>
+                <a:spcPct val="100000"/>
+              </a:lnSpc>
+              <a:buFont typeface="Wingdings" panose="05000000000000000000" pitchFamily="2" charset="2"/>
+              <a:buChar char="§"/>
+            </a:pPr>
+            <a:r>
+              <a:rPr lang="ko-KR" altLang="en-US" dirty="0" smtClean="0"/>
+              <a:t>사용자도 </a:t>
+            </a:r>
+            <a:r>
+              <a:rPr lang="ko-KR" altLang="en-US" dirty="0" smtClean="0"/>
+              <a:t>이러한 형식을 통해 파트의 용도와 사용 방법을 파악 가능</a:t>
+            </a:r>
+          </a:p>
+        </p:txBody>
+      </p:sp>
+      <p:pic>
+        <p:nvPicPr>
+          <p:cNvPr id="6" name="내용 개체 틀 4"/>
+          <p:cNvPicPr>
+            <a:picLocks noGrp="1" noChangeAspect="1"/>
+          </p:cNvPicPr>
+          <p:nvPr>
+            <p:ph sz="half" idx="1"/>
+          </p:nvPr>
+        </p:nvPicPr>
+        <p:blipFill rotWithShape="1">
+          <a:blip r:embed="rId2"/>
+          <a:srcRect b="40284"/>
+          <a:stretch/>
+        </p:blipFill>
+        <p:spPr>
+          <a:xfrm>
+            <a:off x="838199" y="1874028"/>
+            <a:ext cx="10007789" cy="2450322"/>
+          </a:xfrm>
+          <a:prstGeom prst="rect">
+            <a:avLst/>
+          </a:prstGeom>
+        </p:spPr>
+      </p:pic>
+      <p:sp>
+        <p:nvSpPr>
+          <p:cNvPr id="3" name="직사각형 2"/>
+          <p:cNvSpPr/>
+          <p:nvPr/>
+        </p:nvSpPr>
+        <p:spPr>
+          <a:xfrm>
+            <a:off x="7816850" y="3171824"/>
+            <a:ext cx="1746250" cy="447675"/>
+          </a:xfrm>
+          <a:prstGeom prst="rect">
+            <a:avLst/>
+          </a:prstGeom>
+          <a:noFill/>
+          <a:ln w="28575">
+            <a:solidFill>
+              <a:srgbClr val="FF0000"/>
+            </a:solidFill>
+          </a:ln>
+        </p:spPr>
+        <p:style>
+          <a:lnRef idx="2">
+            <a:schemeClr val="accent6"/>
+          </a:lnRef>
+          <a:fillRef idx="1">
+            <a:schemeClr val="lt1"/>
+          </a:fillRef>
+          <a:effectRef idx="0">
+            <a:schemeClr val="accent6"/>
+          </a:effectRef>
+          <a:fontRef idx="minor">
+            <a:schemeClr val="dk1"/>
+          </a:fontRef>
+        </p:style>
+        <p:txBody>
+          <a:bodyPr rtlCol="0" anchor="ctr"/>
+          <a:lstStyle/>
+          <a:p>
+            <a:pPr algn="ctr"/>
+            <a:endParaRPr lang="ko-KR" altLang="en-US"/>
+          </a:p>
+        </p:txBody>
+      </p:sp>
+    </p:spTree>
+    <p:extLst>
+      <p:ext uri="{BB962C8B-B14F-4D97-AF65-F5344CB8AC3E}">
+        <p14:creationId xmlns:p14="http://schemas.microsoft.com/office/powerpoint/2010/main" val="2166405099"/>
+      </p:ext>
+    </p:extLst>
+  </p:cSld>
+  <p:clrMapOvr>
+    <a:masterClrMapping/>
+  </p:clrMapOvr>
+  <p:timing>
+    <p:tnLst>
+      <p:par>
+        <p:cTn id="1" dur="indefinite" restart="never" nodeType="tmRoot"/>
+      </p:par>
+    </p:tnLst>
+  </p:timing>
+</p:sld>
+</file>
+
+<file path=ppt/slides/slide4.xml><?xml version="1.0" encoding="utf-8"?>
+<p:sld xmlns:a="http://schemas.openxmlformats.org/drawingml/2006/main" xmlns:r="http://schemas.openxmlformats.org/officeDocument/2006/relationships" xmlns:p="http://schemas.openxmlformats.org/presentationml/2006/main">
+  <p:cSld>
+    <p:spTree>
+      <p:nvGrpSpPr>
+        <p:cNvPr id="1" name=""/>
+        <p:cNvGrpSpPr/>
+        <p:nvPr/>
+      </p:nvGrpSpPr>
+      <p:grpSpPr>
+        <a:xfrm>
+          <a:off x="0" y="0"/>
+          <a:ext cx="0" cy="0"/>
+          <a:chOff x="0" y="0"/>
+          <a:chExt cx="0" cy="0"/>
+        </a:xfrm>
+      </p:grpSpPr>
+      <p:sp>
+        <p:nvSpPr>
+          <p:cNvPr id="2" name="제목 1"/>
+          <p:cNvSpPr>
+            <a:spLocks noGrp="1"/>
+          </p:cNvSpPr>
+          <p:nvPr>
+            <p:ph type="title"/>
+          </p:nvPr>
+        </p:nvSpPr>
+        <p:spPr/>
+        <p:txBody>
+          <a:bodyPr/>
+          <a:lstStyle/>
+          <a:p>
+            <a:r>
+              <a:rPr lang="en-US" altLang="ko-KR" dirty="0"/>
+              <a:t>.</a:t>
+            </a:r>
+            <a:r>
+              <a:rPr lang="en-US" altLang="ko-KR" dirty="0" err="1" smtClean="0"/>
+              <a:t>rels</a:t>
+            </a:r>
+            <a:endParaRPr lang="ko-KR" altLang="en-US" dirty="0"/>
+          </a:p>
+        </p:txBody>
+      </p:sp>
+      <p:sp>
+        <p:nvSpPr>
+          <p:cNvPr id="4" name="내용 개체 틀 3"/>
+          <p:cNvSpPr>
+            <a:spLocks noGrp="1"/>
+          </p:cNvSpPr>
+          <p:nvPr>
+            <p:ph sz="half" idx="2"/>
+          </p:nvPr>
+        </p:nvSpPr>
+        <p:spPr>
+          <a:xfrm>
+            <a:off x="838200" y="3207507"/>
+            <a:ext cx="10515600" cy="2969456"/>
+          </a:xfrm>
+        </p:spPr>
+        <p:txBody>
+          <a:bodyPr>
+            <a:normAutofit/>
+          </a:bodyPr>
+          <a:lstStyle/>
+          <a:p>
+            <a:pPr>
+              <a:lnSpc>
+                <a:spcPct val="80000"/>
+              </a:lnSpc>
+              <a:buFont typeface="Wingdings" panose="05000000000000000000" pitchFamily="2" charset="2"/>
+              <a:buChar char="§"/>
+            </a:pPr>
+            <a:r>
+              <a:rPr lang="ko-KR" altLang="en-US" sz="1500" dirty="0" smtClean="0"/>
+              <a:t>두 파트간 연결을 의미 </a:t>
+            </a:r>
+            <a:r>
+              <a:rPr lang="en-US" altLang="ko-KR" sz="1500" dirty="0" smtClean="0"/>
+              <a:t>(relations)</a:t>
+            </a:r>
+          </a:p>
+          <a:p>
+            <a:pPr>
+              <a:lnSpc>
+                <a:spcPct val="80000"/>
+              </a:lnSpc>
+              <a:buFont typeface="Wingdings" panose="05000000000000000000" pitchFamily="2" charset="2"/>
+              <a:buChar char="§"/>
+            </a:pPr>
+            <a:r>
+              <a:rPr lang="ko-KR" altLang="en-US" sz="1500" dirty="0" smtClean="0"/>
+              <a:t>관계가 </a:t>
+            </a:r>
+            <a:r>
+              <a:rPr lang="ko-KR" altLang="en-US" sz="1500" dirty="0" smtClean="0"/>
+              <a:t>생성되는 대상 </a:t>
+            </a:r>
+            <a:r>
+              <a:rPr lang="ko-KR" altLang="en-US" sz="1500" dirty="0" smtClean="0"/>
+              <a:t>파트 </a:t>
+            </a:r>
+            <a:r>
+              <a:rPr lang="ko-KR" altLang="en-US" sz="1500" dirty="0" smtClean="0"/>
+              <a:t>하위에 </a:t>
+            </a:r>
+            <a:r>
+              <a:rPr lang="en-US" altLang="ko-KR" sz="1500" dirty="0" smtClean="0"/>
+              <a:t>_</a:t>
+            </a:r>
+            <a:r>
+              <a:rPr lang="en-US" altLang="ko-KR" sz="1500" dirty="0" err="1" smtClean="0"/>
+              <a:t>rels</a:t>
+            </a:r>
+            <a:r>
+              <a:rPr lang="en-US" altLang="ko-KR" sz="1500" dirty="0" smtClean="0"/>
+              <a:t> </a:t>
+            </a:r>
+            <a:r>
+              <a:rPr lang="ko-KR" altLang="en-US" sz="1500" dirty="0" smtClean="0"/>
+              <a:t>폴더 생성</a:t>
+            </a:r>
+            <a:endParaRPr lang="en-US" altLang="ko-KR" sz="1500" dirty="0" smtClean="0"/>
+          </a:p>
+          <a:p>
+            <a:pPr>
+              <a:lnSpc>
+                <a:spcPct val="80000"/>
+              </a:lnSpc>
+              <a:buFont typeface="Wingdings" panose="05000000000000000000" pitchFamily="2" charset="2"/>
+              <a:buChar char="§"/>
+            </a:pPr>
+            <a:r>
+              <a:rPr lang="en-US" altLang="ko-KR" sz="1500" dirty="0" smtClean="0"/>
+              <a:t>_</a:t>
+            </a:r>
+            <a:r>
+              <a:rPr lang="en-US" altLang="ko-KR" sz="1500" dirty="0" err="1" smtClean="0"/>
+              <a:t>rels</a:t>
+            </a:r>
+            <a:r>
+              <a:rPr lang="en-US" altLang="ko-KR" sz="1500" dirty="0" smtClean="0"/>
+              <a:t> </a:t>
+            </a:r>
+            <a:r>
+              <a:rPr lang="ko-KR" altLang="en-US" sz="1500" dirty="0" smtClean="0"/>
+              <a:t>폴더에는 관계 내용이 저장</a:t>
+            </a:r>
+            <a:r>
+              <a:rPr lang="en-US" altLang="ko-KR" sz="1500" dirty="0" smtClean="0"/>
+              <a:t>(.</a:t>
+            </a:r>
+            <a:r>
+              <a:rPr lang="en-US" altLang="ko-KR" sz="1500" dirty="0" err="1" smtClean="0"/>
+              <a:t>rels</a:t>
+            </a:r>
+            <a:r>
+              <a:rPr lang="en-US" altLang="ko-KR" sz="1500" dirty="0" smtClean="0"/>
+              <a:t>)</a:t>
+            </a:r>
+          </a:p>
+          <a:p>
+            <a:pPr>
+              <a:lnSpc>
+                <a:spcPct val="80000"/>
+              </a:lnSpc>
+              <a:buFont typeface="Wingdings" panose="05000000000000000000" pitchFamily="2" charset="2"/>
+              <a:buChar char="§"/>
+            </a:pPr>
+            <a:r>
+              <a:rPr lang="ko-KR" altLang="en-US" sz="1500" dirty="0" smtClean="0"/>
+              <a:t>관계의 </a:t>
+            </a:r>
+            <a:r>
+              <a:rPr lang="ko-KR" altLang="en-US" sz="1500" dirty="0"/>
+              <a:t>이름은 원본 파트의 파일 이름에 </a:t>
+            </a:r>
+            <a:r>
+              <a:rPr lang="en-US" altLang="ko-KR" sz="1500" dirty="0"/>
+              <a:t>.</a:t>
+            </a:r>
+            <a:r>
+              <a:rPr lang="en-US" altLang="ko-KR" sz="1500" dirty="0" err="1"/>
+              <a:t>rels</a:t>
+            </a:r>
+            <a:r>
+              <a:rPr lang="en-US" altLang="ko-KR" sz="1500" dirty="0"/>
+              <a:t> </a:t>
+            </a:r>
+            <a:r>
+              <a:rPr lang="ko-KR" altLang="en-US" sz="1500" dirty="0"/>
+              <a:t>확장명을 붙이는 방식으로 </a:t>
+            </a:r>
+            <a:r>
+              <a:rPr lang="ko-KR" altLang="en-US" sz="1500" dirty="0" smtClean="0"/>
+              <a:t>파생</a:t>
+            </a:r>
+            <a:endParaRPr lang="en-US" altLang="ko-KR" sz="1500" dirty="0" smtClean="0"/>
+          </a:p>
+          <a:p>
+            <a:pPr lvl="1">
+              <a:lnSpc>
+                <a:spcPct val="80000"/>
+              </a:lnSpc>
+              <a:buFont typeface="Wingdings" panose="05000000000000000000" pitchFamily="2" charset="2"/>
+              <a:buChar char="§"/>
+            </a:pPr>
+            <a:r>
+              <a:rPr lang="ko-KR" altLang="en-US" sz="1300" dirty="0" smtClean="0"/>
+              <a:t>예외적으로 </a:t>
+            </a:r>
+            <a:r>
+              <a:rPr lang="ko-KR" altLang="en-US" sz="1300" dirty="0"/>
+              <a:t>문서 파일에 대한 관계 파트의 이름은 </a:t>
+            </a:r>
+            <a:r>
+              <a:rPr lang="en-US" altLang="ko-KR" sz="1300" dirty="0"/>
+              <a:t>".</a:t>
+            </a:r>
+            <a:r>
+              <a:rPr lang="en-US" altLang="ko-KR" sz="1300" dirty="0" err="1" smtClean="0"/>
+              <a:t>rels</a:t>
+            </a:r>
+            <a:r>
+              <a:rPr lang="en-US" altLang="ko-KR" sz="1300" dirty="0" smtClean="0"/>
+              <a:t>“</a:t>
+            </a:r>
+          </a:p>
+          <a:p>
+            <a:pPr lvl="1">
+              <a:lnSpc>
+                <a:spcPct val="80000"/>
+              </a:lnSpc>
+              <a:buFont typeface="Wingdings" panose="05000000000000000000" pitchFamily="2" charset="2"/>
+              <a:buChar char="§"/>
+            </a:pPr>
+            <a:r>
+              <a:rPr lang="en-US" altLang="ko-KR" sz="1300" dirty="0" smtClean="0"/>
+              <a:t>\_</a:t>
+            </a:r>
+            <a:r>
+              <a:rPr lang="en-US" altLang="ko-KR" sz="1300" dirty="0" err="1" smtClean="0"/>
+              <a:t>rels</a:t>
+            </a:r>
+            <a:r>
+              <a:rPr lang="en-US" altLang="ko-KR" sz="1300" dirty="0" smtClean="0"/>
+              <a:t>		: .</a:t>
+            </a:r>
+            <a:r>
+              <a:rPr lang="en-US" altLang="ko-KR" sz="1300" dirty="0" err="1" smtClean="0"/>
+              <a:t>rels</a:t>
+            </a:r>
+            <a:endParaRPr lang="en-US" altLang="ko-KR" sz="1300" dirty="0" smtClean="0"/>
+          </a:p>
+          <a:p>
+            <a:pPr lvl="1">
+              <a:lnSpc>
+                <a:spcPct val="80000"/>
+              </a:lnSpc>
+              <a:buFont typeface="Wingdings" panose="05000000000000000000" pitchFamily="2" charset="2"/>
+              <a:buChar char="§"/>
+            </a:pPr>
+            <a:r>
+              <a:rPr lang="en-US" altLang="ko-KR" sz="1300" dirty="0" smtClean="0"/>
+              <a:t>\</a:t>
+            </a:r>
+            <a:r>
+              <a:rPr lang="en-US" altLang="ko-KR" sz="1300" dirty="0" err="1" smtClean="0"/>
+              <a:t>ppt</a:t>
+            </a:r>
+            <a:r>
+              <a:rPr lang="en-US" altLang="ko-KR" sz="1300" dirty="0" smtClean="0"/>
+              <a:t>\_</a:t>
+            </a:r>
+            <a:r>
+              <a:rPr lang="en-US" altLang="ko-KR" sz="1300" dirty="0" err="1" smtClean="0"/>
+              <a:t>rels</a:t>
+            </a:r>
+            <a:r>
+              <a:rPr lang="en-US" altLang="ko-KR" sz="1300" dirty="0" smtClean="0"/>
+              <a:t>		: presentation.xml -&gt; </a:t>
+            </a:r>
+            <a:r>
+              <a:rPr lang="en-US" altLang="ko-KR" sz="1300" dirty="0" err="1" smtClean="0"/>
+              <a:t>presentation.xml.rels</a:t>
+            </a:r>
+            <a:endParaRPr lang="en-US" altLang="ko-KR" sz="1300" dirty="0" smtClean="0"/>
+          </a:p>
+          <a:p>
+            <a:pPr lvl="1">
+              <a:lnSpc>
+                <a:spcPct val="80000"/>
+              </a:lnSpc>
+              <a:buFont typeface="Wingdings" panose="05000000000000000000" pitchFamily="2" charset="2"/>
+              <a:buChar char="§"/>
+            </a:pPr>
+            <a:r>
+              <a:rPr lang="en-US" altLang="ko-KR" sz="1300" dirty="0" smtClean="0"/>
+              <a:t>\</a:t>
+            </a:r>
+            <a:r>
+              <a:rPr lang="en-US" altLang="ko-KR" sz="1300" dirty="0" err="1" smtClean="0"/>
+              <a:t>ppt</a:t>
+            </a:r>
+            <a:r>
+              <a:rPr lang="en-US" altLang="ko-KR" sz="1300" dirty="0" smtClean="0"/>
+              <a:t>\slides\_</a:t>
+            </a:r>
+            <a:r>
+              <a:rPr lang="en-US" altLang="ko-KR" sz="1300" dirty="0" err="1" smtClean="0"/>
+              <a:t>rels</a:t>
+            </a:r>
+            <a:r>
+              <a:rPr lang="en-US" altLang="ko-KR" sz="1300" dirty="0"/>
+              <a:t>	</a:t>
+            </a:r>
+            <a:r>
+              <a:rPr lang="en-US" altLang="ko-KR" sz="1300" dirty="0" smtClean="0"/>
+              <a:t>: slide1.xml -&gt; </a:t>
+            </a:r>
+            <a:r>
+              <a:rPr lang="en-US" altLang="ko-KR" sz="1300" dirty="0" smtClean="0"/>
+              <a:t>slide1.xml.rels</a:t>
+            </a:r>
+            <a:endParaRPr lang="en-US" altLang="ko-KR" sz="1300" dirty="0"/>
+          </a:p>
+        </p:txBody>
+      </p:sp>
+      <p:pic>
+        <p:nvPicPr>
+          <p:cNvPr id="5" name="내용 개체 틀 4"/>
+          <p:cNvPicPr>
+            <a:picLocks noGrp="1" noChangeAspect="1"/>
+          </p:cNvPicPr>
+          <p:nvPr>
+            <p:ph sz="half" idx="1"/>
+          </p:nvPr>
+        </p:nvPicPr>
+        <p:blipFill>
+          <a:blip r:embed="rId2"/>
+          <a:stretch>
+            <a:fillRect/>
+          </a:stretch>
+        </p:blipFill>
+        <p:spPr>
+          <a:xfrm>
+            <a:off x="838200" y="1946103"/>
+            <a:ext cx="10515600" cy="1005989"/>
+          </a:xfrm>
+          <a:prstGeom prst="rect">
+            <a:avLst/>
+          </a:prstGeom>
+        </p:spPr>
+      </p:pic>
+      <p:pic>
+        <p:nvPicPr>
+          <p:cNvPr id="6" name="내용 개체 틀 4"/>
+          <p:cNvPicPr>
+            <a:picLocks noChangeAspect="1"/>
+          </p:cNvPicPr>
+          <p:nvPr/>
+        </p:nvPicPr>
+        <p:blipFill rotWithShape="1">
+          <a:blip r:embed="rId3"/>
+          <a:srcRect r="45454"/>
+          <a:stretch/>
+        </p:blipFill>
+        <p:spPr>
+          <a:xfrm>
+            <a:off x="9143079" y="3207507"/>
+            <a:ext cx="2210721" cy="3377483"/>
+          </a:xfrm>
+          <a:prstGeom prst="rect">
+            <a:avLst/>
+          </a:prstGeom>
+          <a:ln>
+            <a:noFill/>
+          </a:ln>
+          <a:effectLst>
+            <a:outerShdw blurRad="292100" dist="139700" dir="2700000" algn="tl" rotWithShape="0">
+              <a:srgbClr val="333333">
+                <a:alpha val="65000"/>
+              </a:srgbClr>
+            </a:outerShdw>
+          </a:effectLst>
+        </p:spPr>
+      </p:pic>
+    </p:spTree>
+    <p:extLst>
+      <p:ext uri="{BB962C8B-B14F-4D97-AF65-F5344CB8AC3E}">
+        <p14:creationId xmlns:p14="http://schemas.microsoft.com/office/powerpoint/2010/main" val="2864978564"/>
+      </p:ext>
+    </p:extLst>
+  </p:cSld>
+  <p:clrMapOvr>
+    <a:masterClrMapping/>
+  </p:clrMapOvr>
+  <p:timing>
+    <p:tnLst>
+      <p:par>
+        <p:cTn id="1" dur="indefinite" restart="never" nodeType="tmRoot"/>
+      </p:par>
+    </p:tnLst>
+  </p:timing>
+</p:sld>
+</file>
+
+<file path=ppt/slides/slide5.xml><?xml version="1.0" encoding="utf-8"?>
+<p:sld xmlns:a="http://schemas.openxmlformats.org/drawingml/2006/main" xmlns:r="http://schemas.openxmlformats.org/officeDocument/2006/relationships" xmlns:p="http://schemas.openxmlformats.org/presentationml/2006/main">
+  <p:cSld>
+    <p:spTree>
+      <p:nvGrpSpPr>
+        <p:cNvPr id="1" name=""/>
+        <p:cNvGrpSpPr/>
+        <p:nvPr/>
+      </p:nvGrpSpPr>
+      <p:grpSpPr>
+        <a:xfrm>
+          <a:off x="0" y="0"/>
+          <a:ext cx="0" cy="0"/>
+          <a:chOff x="0" y="0"/>
+          <a:chExt cx="0" cy="0"/>
+        </a:xfrm>
+      </p:grpSpPr>
+      <p:sp>
+        <p:nvSpPr>
+          <p:cNvPr id="2" name="제목 1"/>
+          <p:cNvSpPr>
+            <a:spLocks noGrp="1"/>
+          </p:cNvSpPr>
+          <p:nvPr>
+            <p:ph type="title"/>
+          </p:nvPr>
+        </p:nvSpPr>
+        <p:spPr/>
+        <p:txBody>
+          <a:bodyPr/>
+          <a:lstStyle/>
+          <a:p>
+            <a:r>
+              <a:rPr lang="en-US" altLang="ko-KR" dirty="0"/>
+              <a:t>.</a:t>
+            </a:r>
+            <a:r>
+              <a:rPr lang="en-US" altLang="ko-KR" dirty="0" err="1"/>
+              <a:t>rels</a:t>
+            </a:r>
+            <a:endParaRPr lang="ko-KR" altLang="en-US" dirty="0"/>
+          </a:p>
+        </p:txBody>
+      </p:sp>
+      <p:pic>
+        <p:nvPicPr>
+          <p:cNvPr id="3" name="그림 2"/>
+          <p:cNvPicPr>
+            <a:picLocks noChangeAspect="1"/>
+          </p:cNvPicPr>
+          <p:nvPr/>
+        </p:nvPicPr>
+        <p:blipFill>
+          <a:blip r:embed="rId2"/>
+          <a:stretch>
+            <a:fillRect/>
+          </a:stretch>
+        </p:blipFill>
+        <p:spPr>
+          <a:xfrm>
+            <a:off x="838200" y="2157412"/>
+            <a:ext cx="10915650" cy="638175"/>
+          </a:xfrm>
+          <a:prstGeom prst="rect">
+            <a:avLst/>
+          </a:prstGeom>
+        </p:spPr>
+      </p:pic>
+      <p:sp>
+        <p:nvSpPr>
+          <p:cNvPr id="6" name="직사각형 5"/>
+          <p:cNvSpPr/>
+          <p:nvPr/>
+        </p:nvSpPr>
+        <p:spPr>
+          <a:xfrm>
+            <a:off x="7893050" y="2298700"/>
+            <a:ext cx="3860800" cy="306387"/>
+          </a:xfrm>
+          <a:prstGeom prst="rect">
+            <a:avLst/>
+          </a:prstGeom>
+          <a:noFill/>
+          <a:ln w="28575">
+            <a:solidFill>
+              <a:srgbClr val="FF0000"/>
+            </a:solidFill>
+          </a:ln>
+        </p:spPr>
+        <p:style>
+          <a:lnRef idx="2">
+            <a:schemeClr val="accent6"/>
+          </a:lnRef>
+          <a:fillRef idx="1">
+            <a:schemeClr val="lt1"/>
+          </a:fillRef>
+          <a:effectRef idx="0">
+            <a:schemeClr val="accent6"/>
+          </a:effectRef>
+          <a:fontRef idx="minor">
+            <a:schemeClr val="dk1"/>
+          </a:fontRef>
+        </p:style>
+        <p:txBody>
+          <a:bodyPr rtlCol="0" anchor="ctr"/>
+          <a:lstStyle/>
+          <a:p>
+            <a:pPr algn="ctr"/>
+            <a:endParaRPr lang="ko-KR" altLang="en-US"/>
+          </a:p>
+        </p:txBody>
+      </p:sp>
+    </p:spTree>
+    <p:extLst>
+      <p:ext uri="{BB962C8B-B14F-4D97-AF65-F5344CB8AC3E}">
+        <p14:creationId xmlns:p14="http://schemas.microsoft.com/office/powerpoint/2010/main" val="2896513571"/>
+      </p:ext>
+    </p:extLst>
+  </p:cSld>
+  <p:clrMapOvr>
+    <a:masterClrMapping/>
+  </p:clrMapOvr>
+  <p:timing>
+    <p:tnLst>
+      <p:par>
+        <p:cTn id="1" dur="indefinite" restart="never" nodeType="tmRoot"/>
+      </p:par>
+    </p:tnLst>
+  </p:timing>
+</p:sld>
+</file>
+
+<file path=ppt/slides/slide6.xml><?xml version="1.0" encoding="utf-8"?>
+<p:sld xmlns:a="http://schemas.openxmlformats.org/drawingml/2006/main" xmlns:r="http://schemas.openxmlformats.org/officeDocument/2006/relationships" xmlns:p="http://schemas.openxmlformats.org/presentationml/2006/main">
+  <p:cSld>
+    <p:spTree>
+      <p:nvGrpSpPr>
+        <p:cNvPr id="1" name=""/>
+        <p:cNvGrpSpPr/>
+        <p:nvPr/>
+      </p:nvGrpSpPr>
+      <p:grpSpPr>
+        <a:xfrm>
+          <a:off x="0" y="0"/>
+          <a:ext cx="0" cy="0"/>
+          <a:chOff x="0" y="0"/>
+          <a:chExt cx="0" cy="0"/>
+        </a:xfrm>
+      </p:grpSpPr>
+      <p:pic>
+        <p:nvPicPr>
+          <p:cNvPr id="4" name="그림 3"/>
+          <p:cNvPicPr>
+            <a:picLocks noChangeAspect="1"/>
+          </p:cNvPicPr>
+          <p:nvPr/>
+        </p:nvPicPr>
+        <p:blipFill>
+          <a:blip r:embed="rId2"/>
+          <a:stretch>
+            <a:fillRect/>
+          </a:stretch>
+        </p:blipFill>
+        <p:spPr>
+          <a:xfrm>
+            <a:off x="783127" y="1940553"/>
+            <a:ext cx="3543300" cy="4067175"/>
+          </a:xfrm>
+          <a:prstGeom prst="rect">
+            <a:avLst/>
+          </a:prstGeom>
+        </p:spPr>
+      </p:pic>
+      <p:sp>
+        <p:nvSpPr>
+          <p:cNvPr id="2" name="제목 1"/>
+          <p:cNvSpPr>
+            <a:spLocks noGrp="1"/>
+          </p:cNvSpPr>
+          <p:nvPr>
+            <p:ph type="title"/>
+          </p:nvPr>
+        </p:nvSpPr>
+        <p:spPr/>
+        <p:txBody>
+          <a:bodyPr/>
+          <a:lstStyle/>
+          <a:p>
+            <a:r>
+              <a:rPr lang="en-US" altLang="ko-KR" dirty="0" err="1" smtClean="0"/>
+              <a:t>docProps</a:t>
+            </a:r>
+            <a:endParaRPr lang="ko-KR" altLang="en-US" dirty="0"/>
+          </a:p>
+        </p:txBody>
+      </p:sp>
+      <p:sp>
+        <p:nvSpPr>
+          <p:cNvPr id="7" name="내용 개체 틀 6"/>
+          <p:cNvSpPr>
+            <a:spLocks noGrp="1"/>
+          </p:cNvSpPr>
+          <p:nvPr>
+            <p:ph sz="half" idx="2"/>
+          </p:nvPr>
+        </p:nvSpPr>
+        <p:spPr>
+          <a:xfrm>
+            <a:off x="4640980" y="1940553"/>
+            <a:ext cx="6156255" cy="1949605"/>
+          </a:xfrm>
+        </p:spPr>
+        <p:txBody>
+          <a:bodyPr>
+            <a:normAutofit fontScale="92500" lnSpcReduction="10000"/>
+          </a:bodyPr>
+          <a:lstStyle/>
+          <a:p>
+            <a:pPr>
+              <a:buFont typeface="Wingdings" panose="05000000000000000000" pitchFamily="2" charset="2"/>
+              <a:buChar char="§"/>
+            </a:pPr>
+            <a:r>
+              <a:rPr lang="ko-KR" altLang="en-US" sz="2400" dirty="0" smtClean="0"/>
+              <a:t>항상 최상위에 위치</a:t>
+            </a:r>
+            <a:endParaRPr lang="en-US" altLang="ko-KR" sz="2400" dirty="0" smtClean="0"/>
+          </a:p>
+          <a:p>
+            <a:pPr>
+              <a:buFont typeface="Wingdings" panose="05000000000000000000" pitchFamily="2" charset="2"/>
+              <a:buChar char="§"/>
+            </a:pPr>
+            <a:r>
+              <a:rPr lang="ko-KR" altLang="en-US" sz="2400" dirty="0"/>
+              <a:t>문서 속성을 세가지 논리 파트로 구분하여 저장</a:t>
+            </a:r>
+            <a:endParaRPr lang="en-US" altLang="ko-KR" sz="2400" dirty="0"/>
+          </a:p>
+          <a:p>
+            <a:pPr lvl="1">
+              <a:buFont typeface="Wingdings" panose="05000000000000000000" pitchFamily="2" charset="2"/>
+              <a:buChar char="§"/>
+            </a:pPr>
+            <a:r>
+              <a:rPr lang="en-US" altLang="ko-KR" sz="2000" dirty="0" smtClean="0"/>
+              <a:t>App.xml</a:t>
+            </a:r>
+          </a:p>
+          <a:p>
+            <a:pPr lvl="1">
+              <a:buFont typeface="Wingdings" panose="05000000000000000000" pitchFamily="2" charset="2"/>
+              <a:buChar char="§"/>
+            </a:pPr>
+            <a:r>
+              <a:rPr lang="en-US" altLang="ko-KR" sz="2000" dirty="0" smtClean="0"/>
+              <a:t>Custom.xml</a:t>
+            </a:r>
+          </a:p>
+          <a:p>
+            <a:pPr lvl="1">
+              <a:buFont typeface="Wingdings" panose="05000000000000000000" pitchFamily="2" charset="2"/>
+              <a:buChar char="§"/>
+            </a:pPr>
+            <a:r>
+              <a:rPr lang="en-US" altLang="ko-KR" sz="2000" dirty="0" smtClean="0"/>
+              <a:t>Core.xml</a:t>
+            </a:r>
+            <a:endParaRPr lang="en-US" altLang="ko-KR" sz="2000" dirty="0" smtClean="0"/>
+          </a:p>
+        </p:txBody>
+      </p:sp>
+      <p:pic>
+        <p:nvPicPr>
+          <p:cNvPr id="8" name="내용 개체 틀 4"/>
+          <p:cNvPicPr>
+            <a:picLocks noChangeAspect="1"/>
+          </p:cNvPicPr>
+          <p:nvPr/>
+        </p:nvPicPr>
+        <p:blipFill>
+          <a:blip r:embed="rId3"/>
+          <a:stretch>
+            <a:fillRect/>
+          </a:stretch>
+        </p:blipFill>
+        <p:spPr>
+          <a:xfrm>
+            <a:off x="4326427" y="4546880"/>
+            <a:ext cx="6801725" cy="1298575"/>
+          </a:xfrm>
+          <a:prstGeom prst="rect">
+            <a:avLst/>
+          </a:prstGeom>
+        </p:spPr>
+      </p:pic>
+      <p:sp>
+        <p:nvSpPr>
+          <p:cNvPr id="9" name="TextBox 8"/>
+          <p:cNvSpPr txBox="1"/>
+          <p:nvPr/>
+        </p:nvSpPr>
+        <p:spPr>
+          <a:xfrm>
+            <a:off x="782471" y="1608562"/>
+            <a:ext cx="998991" cy="369332"/>
+          </a:xfrm>
+          <a:prstGeom prst="rect">
+            <a:avLst/>
+          </a:prstGeom>
+          <a:noFill/>
+        </p:spPr>
+        <p:txBody>
+          <a:bodyPr wrap="none" rtlCol="0">
+            <a:spAutoFit/>
+          </a:bodyPr>
+          <a:lstStyle/>
+          <a:p>
+            <a:r>
+              <a:rPr lang="en-US" altLang="ko-KR" dirty="0">
+                <a:effectLst>
+                  <a:outerShdw blurRad="38100" dist="38100" dir="2700000" algn="tl">
+                    <a:srgbClr val="000000">
+                      <a:alpha val="43137"/>
+                    </a:srgbClr>
+                  </a:outerShdw>
+                </a:effectLst>
+              </a:rPr>
+              <a:t>a</a:t>
+            </a:r>
+            <a:r>
+              <a:rPr lang="en-US" altLang="ko-KR" dirty="0" smtClean="0">
+                <a:effectLst>
+                  <a:outerShdw blurRad="38100" dist="38100" dir="2700000" algn="tl">
+                    <a:srgbClr val="000000">
+                      <a:alpha val="43137"/>
+                    </a:srgbClr>
+                  </a:outerShdw>
+                </a:effectLst>
+              </a:rPr>
+              <a:t>pp.xml</a:t>
+            </a:r>
+            <a:endParaRPr lang="ko-KR" altLang="en-US" dirty="0">
+              <a:effectLst>
+                <a:outerShdw blurRad="38100" dist="38100" dir="2700000" algn="tl">
+                  <a:srgbClr val="000000">
+                    <a:alpha val="43137"/>
+                  </a:srgbClr>
+                </a:outerShdw>
+              </a:effectLst>
+            </a:endParaRPr>
+          </a:p>
+        </p:txBody>
+      </p:sp>
+      <p:sp>
+        <p:nvSpPr>
+          <p:cNvPr id="10" name="TextBox 9"/>
+          <p:cNvSpPr txBox="1"/>
+          <p:nvPr/>
+        </p:nvSpPr>
+        <p:spPr>
+          <a:xfrm>
+            <a:off x="4414739" y="4111142"/>
+            <a:ext cx="1051826" cy="369332"/>
+          </a:xfrm>
+          <a:prstGeom prst="rect">
+            <a:avLst/>
+          </a:prstGeom>
+          <a:noFill/>
+        </p:spPr>
+        <p:txBody>
+          <a:bodyPr wrap="none" rtlCol="0">
+            <a:spAutoFit/>
+          </a:bodyPr>
+          <a:lstStyle/>
+          <a:p>
+            <a:r>
+              <a:rPr lang="en-US" altLang="ko-KR" dirty="0" smtClean="0">
+                <a:effectLst>
+                  <a:outerShdw blurRad="38100" dist="38100" dir="2700000" algn="tl">
+                    <a:srgbClr val="000000">
+                      <a:alpha val="43137"/>
+                    </a:srgbClr>
+                  </a:outerShdw>
+                </a:effectLst>
+              </a:rPr>
+              <a:t>core.xml</a:t>
+            </a:r>
+            <a:endParaRPr lang="ko-KR" altLang="en-US" dirty="0">
+              <a:effectLst>
+                <a:outerShdw blurRad="38100" dist="38100" dir="2700000" algn="tl">
+                  <a:srgbClr val="000000">
+                    <a:alpha val="43137"/>
+                  </a:srgbClr>
+                </a:outerShdw>
+              </a:effectLst>
+            </a:endParaRPr>
+          </a:p>
+        </p:txBody>
+      </p:sp>
+      <p:sp>
+        <p:nvSpPr>
+          <p:cNvPr id="11" name="직사각형 10"/>
+          <p:cNvSpPr/>
+          <p:nvPr/>
+        </p:nvSpPr>
+        <p:spPr>
+          <a:xfrm>
+            <a:off x="1149350" y="3663468"/>
+            <a:ext cx="869950" cy="346558"/>
+          </a:xfrm>
+          <a:prstGeom prst="rect">
+            <a:avLst/>
+          </a:prstGeom>
+          <a:noFill/>
+          <a:ln w="28575">
+            <a:solidFill>
+              <a:srgbClr val="FF0000"/>
+            </a:solidFill>
+          </a:ln>
+        </p:spPr>
+        <p:style>
+          <a:lnRef idx="2">
+            <a:schemeClr val="accent6"/>
+          </a:lnRef>
+          <a:fillRef idx="1">
+            <a:schemeClr val="lt1"/>
+          </a:fillRef>
+          <a:effectRef idx="0">
+            <a:schemeClr val="accent6"/>
+          </a:effectRef>
+          <a:fontRef idx="minor">
+            <a:schemeClr val="dk1"/>
+          </a:fontRef>
+        </p:style>
+        <p:txBody>
+          <a:bodyPr rtlCol="0" anchor="ctr"/>
+          <a:lstStyle/>
+          <a:p>
+            <a:pPr algn="ctr"/>
+            <a:endParaRPr lang="ko-KR" altLang="en-US"/>
+          </a:p>
+        </p:txBody>
+      </p:sp>
+    </p:spTree>
+    <p:extLst>
+      <p:ext uri="{BB962C8B-B14F-4D97-AF65-F5344CB8AC3E}">
+        <p14:creationId xmlns:p14="http://schemas.microsoft.com/office/powerpoint/2010/main" val="4248610672"/>
+      </p:ext>
+    </p:extLst>
+  </p:cSld>
+  <p:clrMapOvr>
+    <a:masterClrMapping/>
+  </p:clrMapOvr>
+  <p:timing>
+    <p:tnLst>
+      <p:par>
+        <p:cTn id="1" dur="indefinite" restart="never" nodeType="tmRoot"/>
+      </p:par>
+    </p:tnLst>
+  </p:timing>
+</p:sld>
+</file>
+
+<file path=ppt/slides/slide7.xml><?xml version="1.0" encoding="utf-8"?>
+<p:sld xmlns:a="http://schemas.openxmlformats.org/drawingml/2006/main" xmlns:r="http://schemas.openxmlformats.org/officeDocument/2006/relationships" xmlns:p="http://schemas.openxmlformats.org/presentationml/2006/main" show="0">
+  <p:cSld>
+    <p:spTree>
+      <p:nvGrpSpPr>
+        <p:cNvPr id="1" name=""/>
+        <p:cNvGrpSpPr/>
+        <p:nvPr/>
+      </p:nvGrpSpPr>
+      <p:grpSpPr>
+        <a:xfrm>
+          <a:off x="0" y="0"/>
+          <a:ext cx="0" cy="0"/>
+          <a:chOff x="0" y="0"/>
+          <a:chExt cx="0" cy="0"/>
+        </a:xfrm>
+      </p:grpSpPr>
+      <p:sp>
+        <p:nvSpPr>
+          <p:cNvPr id="2" name="제목 1"/>
+          <p:cNvSpPr>
+            <a:spLocks noGrp="1"/>
+          </p:cNvSpPr>
+          <p:nvPr>
+            <p:ph type="title"/>
+          </p:nvPr>
+        </p:nvSpPr>
+        <p:spPr/>
+        <p:txBody>
+          <a:bodyPr/>
+          <a:lstStyle/>
+          <a:p>
+            <a:r>
+              <a:rPr lang="en-US" altLang="ko-KR" dirty="0" err="1" smtClean="0"/>
+              <a:t>ppt</a:t>
+            </a:r>
+            <a:endParaRPr lang="ko-KR" altLang="en-US" dirty="0"/>
+          </a:p>
+        </p:txBody>
+      </p:sp>
+      <p:pic>
+        <p:nvPicPr>
+          <p:cNvPr id="3" name="그림 2"/>
+          <p:cNvPicPr>
+            <a:picLocks noChangeAspect="1"/>
+          </p:cNvPicPr>
+          <p:nvPr/>
+        </p:nvPicPr>
+        <p:blipFill>
+          <a:blip r:embed="rId2"/>
+          <a:stretch>
+            <a:fillRect/>
+          </a:stretch>
+        </p:blipFill>
+        <p:spPr>
+          <a:xfrm>
+            <a:off x="838200" y="-3006420"/>
+            <a:ext cx="3949701" cy="2404611"/>
+          </a:xfrm>
+          <a:prstGeom prst="rect">
+            <a:avLst/>
+          </a:prstGeom>
+        </p:spPr>
+      </p:pic>
+      <p:sp>
+        <p:nvSpPr>
+          <p:cNvPr id="5" name="내용 개체 틀 4"/>
+          <p:cNvSpPr>
+            <a:spLocks noGrp="1"/>
+          </p:cNvSpPr>
+          <p:nvPr>
+            <p:ph sz="half" idx="2"/>
+          </p:nvPr>
+        </p:nvSpPr>
+        <p:spPr/>
+        <p:txBody>
+          <a:bodyPr>
+            <a:normAutofit fontScale="62500" lnSpcReduction="20000"/>
+          </a:bodyPr>
+          <a:lstStyle/>
+          <a:p>
+            <a:r>
+              <a:rPr lang="en-US" altLang="ko-KR" dirty="0" err="1"/>
+              <a:t>slideMasters</a:t>
+            </a:r>
+            <a:endParaRPr lang="en-US" altLang="ko-KR" dirty="0"/>
+          </a:p>
+          <a:p>
+            <a:pPr lvl="1"/>
+            <a:r>
+              <a:rPr lang="ko-KR" altLang="en-US" dirty="0"/>
+              <a:t>슬라이드마스터 중 부모 슬라이드마스터에 해당</a:t>
+            </a:r>
+          </a:p>
+          <a:p>
+            <a:pPr lvl="1"/>
+            <a:r>
+              <a:rPr lang="ko-KR" altLang="en-US" dirty="0"/>
+              <a:t>슬라이드 마스터에서 파생 된 </a:t>
+            </a:r>
+            <a:r>
+              <a:rPr lang="ko-KR" altLang="en-US" dirty="0" err="1"/>
+              <a:t>프리젠테이션의</a:t>
+            </a:r>
+            <a:r>
+              <a:rPr lang="ko-KR" altLang="en-US" dirty="0"/>
+              <a:t> 각 슬라이드 표시 형식</a:t>
+            </a:r>
+            <a:r>
+              <a:rPr lang="en-US" altLang="ko-KR" dirty="0"/>
+              <a:t>, </a:t>
+            </a:r>
+            <a:r>
+              <a:rPr lang="ko-KR" altLang="en-US" dirty="0"/>
+              <a:t>텍스트 및 개체의 마스터 정의를 포함</a:t>
+            </a:r>
+          </a:p>
+          <a:p>
+            <a:r>
+              <a:rPr lang="en-US" altLang="ko-KR" dirty="0" err="1"/>
+              <a:t>slideLayouts</a:t>
+            </a:r>
+            <a:endParaRPr lang="en-US" altLang="ko-KR" dirty="0"/>
+          </a:p>
+          <a:p>
+            <a:pPr lvl="1"/>
+            <a:r>
+              <a:rPr lang="ko-KR" altLang="en-US" dirty="0"/>
+              <a:t>슬라이드마스터 중 자식 슬라이드마스터에 해당</a:t>
+            </a:r>
+          </a:p>
+          <a:p>
+            <a:pPr lvl="1"/>
+            <a:r>
+              <a:rPr lang="ko-KR" altLang="en-US" dirty="0"/>
+              <a:t>슬라이드 템플릿에 대한 정의를 포함</a:t>
+            </a:r>
+            <a:r>
+              <a:rPr lang="en-US" altLang="ko-KR" dirty="0"/>
+              <a:t>, </a:t>
+            </a:r>
+            <a:r>
+              <a:rPr lang="ko-KR" altLang="en-US" dirty="0"/>
+              <a:t>슬라이드에 그리기 개체의 기본 모양과 위치를 정의</a:t>
+            </a:r>
+          </a:p>
+          <a:p>
+            <a:r>
+              <a:rPr lang="en-US" altLang="ko-KR" dirty="0"/>
+              <a:t>slides </a:t>
+            </a:r>
+            <a:r>
+              <a:rPr lang="ko-KR" altLang="en-US" dirty="0"/>
+              <a:t>단일 슬라이드에 대한 내용을 하나의 </a:t>
+            </a:r>
+            <a:r>
+              <a:rPr lang="en-US" altLang="ko-KR" dirty="0"/>
+              <a:t>xml </a:t>
+            </a:r>
+            <a:r>
+              <a:rPr lang="ko-KR" altLang="en-US" dirty="0"/>
+              <a:t>파일로 표현</a:t>
+            </a:r>
+          </a:p>
+          <a:p>
+            <a:r>
+              <a:rPr lang="en-US" altLang="ko-KR" dirty="0"/>
+              <a:t>theme </a:t>
+            </a:r>
+            <a:r>
+              <a:rPr lang="ko-KR" altLang="en-US" dirty="0"/>
+              <a:t>문서의 주제에 대한 자세한 내용</a:t>
+            </a:r>
+            <a:r>
+              <a:rPr lang="en-US" altLang="ko-KR" dirty="0"/>
+              <a:t>, </a:t>
+            </a:r>
+            <a:r>
+              <a:rPr lang="ko-KR" altLang="en-US" dirty="0"/>
+              <a:t>색상</a:t>
+            </a:r>
+            <a:r>
+              <a:rPr lang="en-US" altLang="ko-KR" dirty="0"/>
+              <a:t>, </a:t>
+            </a:r>
+            <a:r>
+              <a:rPr lang="ko-KR" altLang="en-US" dirty="0"/>
+              <a:t>글꼴 및 포맷 방식 등의 정보 포함</a:t>
+            </a:r>
+          </a:p>
+          <a:p>
+            <a:r>
+              <a:rPr lang="en-US" altLang="ko-KR" dirty="0"/>
+              <a:t>media </a:t>
+            </a:r>
+            <a:r>
+              <a:rPr lang="ko-KR" altLang="en-US" dirty="0"/>
+              <a:t>슬라이드에 저장된 이미지</a:t>
+            </a:r>
+            <a:r>
+              <a:rPr lang="en-US" altLang="ko-KR" dirty="0"/>
+              <a:t>, </a:t>
+            </a:r>
+            <a:r>
+              <a:rPr lang="ko-KR" altLang="en-US" dirty="0"/>
+              <a:t>동영상 등에 해당하는 내용이 저장되는 </a:t>
+            </a:r>
+            <a:r>
+              <a:rPr lang="ko-KR" altLang="en-US" dirty="0" smtClean="0"/>
+              <a:t>폴더</a:t>
+            </a:r>
+            <a:endParaRPr lang="ko-KR" altLang="en-US" dirty="0"/>
+          </a:p>
+        </p:txBody>
+      </p:sp>
+      <p:pic>
+        <p:nvPicPr>
+          <p:cNvPr id="6" name="그림 5"/>
+          <p:cNvPicPr>
+            <a:picLocks noChangeAspect="1"/>
+          </p:cNvPicPr>
+          <p:nvPr/>
+        </p:nvPicPr>
+        <p:blipFill>
+          <a:blip r:embed="rId3"/>
+          <a:stretch>
+            <a:fillRect/>
+          </a:stretch>
+        </p:blipFill>
+        <p:spPr>
+          <a:xfrm>
+            <a:off x="838200" y="2083532"/>
+            <a:ext cx="4866192" cy="2809875"/>
+          </a:xfrm>
+          <a:prstGeom prst="rect">
+            <a:avLst/>
+          </a:prstGeom>
+        </p:spPr>
+      </p:pic>
+    </p:spTree>
+    <p:extLst>
+      <p:ext uri="{BB962C8B-B14F-4D97-AF65-F5344CB8AC3E}">
+        <p14:creationId xmlns:p14="http://schemas.microsoft.com/office/powerpoint/2010/main" val="2501528419"/>
+      </p:ext>
+    </p:extLst>
+  </p:cSld>
+  <p:clrMapOvr>
+    <a:masterClrMapping/>
+  </p:clrMapOvr>
+  <mc:AlternateContent xmlns:mc="http://schemas.openxmlformats.org/markup-compatibility/2006">
+    <mc:Choice xmlns:p14="http://schemas.microsoft.com/office/powerpoint/2010/main" Requires="p14">
+      <p:transition spd="slow" p14:dur="2000"/>
+    </mc:Choice>
+    <mc:Fallback>
+      <p:transition spd="slow"/>
+    </mc:Fallback>
+  </mc:AlternateContent>
+  <p:timing>
+    <p:tnLst>
+      <p:par>
+        <p:cTn id="1" dur="indefinite" restart="never" nodeType="tmRoot"/>
+      </p:par>
+    </p:tnLst>
+  </p:timing>
+</p:sld>
+</file>
+
+<file path=ppt/slides/slide8.xml><?xml version="1.0" encoding="utf-8"?>
+<p:sld xmlns:a="http://schemas.openxmlformats.org/drawingml/2006/main" xmlns:r="http://schemas.openxmlformats.org/officeDocument/2006/relationships" xmlns:p="http://schemas.openxmlformats.org/presentationml/2006/main">
+  <p:cSld>
+    <p:spTree>
+      <p:nvGrpSpPr>
+        <p:cNvPr id="1" name=""/>
+        <p:cNvGrpSpPr/>
+        <p:nvPr/>
+      </p:nvGrpSpPr>
+      <p:grpSpPr>
+        <a:xfrm>
+          <a:off x="0" y="0"/>
+          <a:ext cx="0" cy="0"/>
+          <a:chOff x="0" y="0"/>
+          <a:chExt cx="0" cy="0"/>
+        </a:xfrm>
+      </p:grpSpPr>
+      <p:sp>
+        <p:nvSpPr>
+          <p:cNvPr id="2" name="제목 1"/>
+          <p:cNvSpPr>
+            <a:spLocks noGrp="1"/>
+          </p:cNvSpPr>
+          <p:nvPr>
+            <p:ph type="title"/>
+          </p:nvPr>
+        </p:nvSpPr>
+        <p:spPr/>
+        <p:txBody>
+          <a:bodyPr/>
+          <a:lstStyle/>
+          <a:p>
+            <a:r>
+              <a:rPr lang="en-US" altLang="ko-KR" dirty="0" err="1" smtClean="0"/>
+              <a:t>ppt</a:t>
+            </a:r>
+            <a:r>
+              <a:rPr lang="en-US" altLang="ko-KR" dirty="0" smtClean="0"/>
+              <a:t> -</a:t>
+            </a:r>
+            <a:r>
+              <a:rPr lang="en-US" altLang="ko-KR" dirty="0" err="1" smtClean="0"/>
+              <a:t>SlideMaster</a:t>
+            </a:r>
+            <a:endParaRPr lang="ko-KR" altLang="en-US" dirty="0"/>
+          </a:p>
+        </p:txBody>
+      </p:sp>
+      <p:pic>
+        <p:nvPicPr>
+          <p:cNvPr id="8" name="내용 개체 틀 7"/>
+          <p:cNvPicPr>
+            <a:picLocks noGrp="1" noChangeAspect="1"/>
+          </p:cNvPicPr>
+          <p:nvPr>
+            <p:ph sz="half" idx="2"/>
+          </p:nvPr>
+        </p:nvPicPr>
+        <p:blipFill>
+          <a:blip r:embed="rId2"/>
+          <a:stretch>
+            <a:fillRect/>
+          </a:stretch>
+        </p:blipFill>
+        <p:spPr>
+          <a:xfrm>
+            <a:off x="5908213" y="1574844"/>
+            <a:ext cx="4707151" cy="4864056"/>
+          </a:xfrm>
+          <a:prstGeom prst="rect">
+            <a:avLst/>
+          </a:prstGeom>
+        </p:spPr>
+      </p:pic>
+      <p:pic>
+        <p:nvPicPr>
+          <p:cNvPr id="3" name="그림 2"/>
+          <p:cNvPicPr>
+            <a:picLocks noChangeAspect="1"/>
+          </p:cNvPicPr>
+          <p:nvPr/>
+        </p:nvPicPr>
+        <p:blipFill>
+          <a:blip r:embed="rId3"/>
+          <a:stretch>
+            <a:fillRect/>
+          </a:stretch>
+        </p:blipFill>
+        <p:spPr>
+          <a:xfrm>
+            <a:off x="3305175" y="-2414588"/>
+            <a:ext cx="3676650" cy="2238375"/>
+          </a:xfrm>
+          <a:prstGeom prst="rect">
+            <a:avLst/>
+          </a:prstGeom>
+        </p:spPr>
+      </p:pic>
+      <p:pic>
+        <p:nvPicPr>
+          <p:cNvPr id="4" name="그림 3"/>
+          <p:cNvPicPr>
+            <a:picLocks noChangeAspect="1"/>
+          </p:cNvPicPr>
+          <p:nvPr/>
+        </p:nvPicPr>
+        <p:blipFill>
+          <a:blip r:embed="rId4"/>
+          <a:stretch>
+            <a:fillRect/>
+          </a:stretch>
+        </p:blipFill>
+        <p:spPr>
+          <a:xfrm>
+            <a:off x="1017587" y="1574844"/>
+            <a:ext cx="4575175" cy="5069087"/>
+          </a:xfrm>
+          <a:prstGeom prst="rect">
+            <a:avLst/>
+          </a:prstGeom>
+        </p:spPr>
+      </p:pic>
+    </p:spTree>
+    <p:extLst>
+      <p:ext uri="{BB962C8B-B14F-4D97-AF65-F5344CB8AC3E}">
+        <p14:creationId xmlns:p14="http://schemas.microsoft.com/office/powerpoint/2010/main" val="2590825338"/>
+      </p:ext>
+    </p:extLst>
+  </p:cSld>
+  <p:clrMapOvr>
+    <a:masterClrMapping/>
+  </p:clrMapOvr>
+  <p:timing>
+    <p:tnLst>
+      <p:par>
+        <p:cTn id="1" dur="indefinite" restart="never" nodeType="tmRoot"/>
+      </p:par>
+    </p:tnLst>
+  </p:timing>
+</p:sld>
+</file>
+
+<file path=ppt/slides/slide9.xml><?xml version="1.0" encoding="utf-8"?>
+<p:sld xmlns:a="http://schemas.openxmlformats.org/drawingml/2006/main" xmlns:r="http://schemas.openxmlformats.org/officeDocument/2006/relationships" xmlns:p="http://schemas.openxmlformats.org/presentationml/2006/main">
+  <p:cSld>
+    <p:spTree>
+      <p:nvGrpSpPr>
+        <p:cNvPr id="1" name=""/>
+        <p:cNvGrpSpPr/>
+        <p:nvPr/>
+      </p:nvGrpSpPr>
+      <p:grpSpPr>
+        <a:xfrm>
+          <a:off x="0" y="0"/>
+          <a:ext cx="0" cy="0"/>
+          <a:chOff x="0" y="0"/>
+          <a:chExt cx="0" cy="0"/>
+        </a:xfrm>
+      </p:grpSpPr>
+      <p:sp>
+        <p:nvSpPr>
+          <p:cNvPr id="2" name="제목 1"/>
+          <p:cNvSpPr>
+            <a:spLocks noGrp="1"/>
+          </p:cNvSpPr>
+          <p:nvPr>
+            <p:ph type="title"/>
+          </p:nvPr>
+        </p:nvSpPr>
+        <p:spPr/>
+        <p:txBody>
+          <a:bodyPr/>
+          <a:lstStyle/>
+          <a:p>
+            <a:r>
+              <a:rPr lang="en-US" altLang="ko-KR" dirty="0" err="1" smtClean="0"/>
+              <a:t>ppt</a:t>
+            </a:r>
+            <a:r>
+              <a:rPr lang="en-US" altLang="ko-KR" dirty="0" smtClean="0"/>
+              <a:t> -</a:t>
+            </a:r>
+            <a:r>
+              <a:rPr lang="en-US" altLang="ko-KR" dirty="0" err="1" smtClean="0"/>
+              <a:t>SlideMaster</a:t>
+            </a:r>
+            <a:endParaRPr lang="ko-KR" altLang="en-US" dirty="0"/>
+          </a:p>
+        </p:txBody>
+      </p:sp>
+      <p:pic>
+        <p:nvPicPr>
+          <p:cNvPr id="5" name="내용 개체 틀 3"/>
+          <p:cNvPicPr>
+            <a:picLocks noGrp="1" noChangeAspect="1"/>
+          </p:cNvPicPr>
+          <p:nvPr>
+            <p:ph sz="half" idx="1"/>
+          </p:nvPr>
+        </p:nvPicPr>
+        <p:blipFill>
+          <a:blip r:embed="rId2">
+            <a:extLst>
+              <a:ext uri="{28A0092B-C50C-407E-A947-70E740481C1C}">
+                <a14:useLocalDpi xmlns:a14="http://schemas.microsoft.com/office/drawing/2010/main" val="0"/>
+              </a:ext>
+            </a:extLst>
+          </a:blip>
+          <a:stretch>
+            <a:fillRect/>
+          </a:stretch>
+        </p:blipFill>
+        <p:spPr>
+          <a:xfrm>
+            <a:off x="1296790" y="1825625"/>
+            <a:ext cx="4264420" cy="4351338"/>
+          </a:xfrm>
+        </p:spPr>
+      </p:pic>
+      <p:pic>
+        <p:nvPicPr>
+          <p:cNvPr id="3" name="그림 2"/>
+          <p:cNvPicPr>
+            <a:picLocks noChangeAspect="1"/>
+          </p:cNvPicPr>
+          <p:nvPr/>
+        </p:nvPicPr>
+        <p:blipFill>
+          <a:blip r:embed="rId3"/>
+          <a:stretch>
+            <a:fillRect/>
+          </a:stretch>
+        </p:blipFill>
+        <p:spPr>
+          <a:xfrm>
+            <a:off x="3305175" y="-2414588"/>
+            <a:ext cx="3676650" cy="2238375"/>
+          </a:xfrm>
+          <a:prstGeom prst="rect">
+            <a:avLst/>
+          </a:prstGeom>
+        </p:spPr>
+      </p:pic>
+      <p:pic>
+        <p:nvPicPr>
+          <p:cNvPr id="7" name="그림 6"/>
+          <p:cNvPicPr>
+            <a:picLocks noChangeAspect="1"/>
+          </p:cNvPicPr>
+          <p:nvPr/>
+        </p:nvPicPr>
+        <p:blipFill>
+          <a:blip r:embed="rId4"/>
+          <a:stretch>
+            <a:fillRect/>
+          </a:stretch>
+        </p:blipFill>
+        <p:spPr>
+          <a:xfrm>
+            <a:off x="6262687" y="1825625"/>
+            <a:ext cx="4650570" cy="4351338"/>
+          </a:xfrm>
+          <a:prstGeom prst="rect">
+            <a:avLst/>
+          </a:prstGeom>
+        </p:spPr>
+      </p:pic>
+    </p:spTree>
+    <p:extLst>
+      <p:ext uri="{BB962C8B-B14F-4D97-AF65-F5344CB8AC3E}">
+        <p14:creationId xmlns:p14="http://schemas.microsoft.com/office/powerpoint/2010/main" val="1746914973"/>
+      </p:ext>
+    </p:extLst>
+  </p:cSld>
+  <p:clrMapOvr>
+    <a:masterClrMapping/>
+  </p:clrMapOvr>
+  <p:timing>
+    <p:tnLst>
+      <p:par>
+        <p:cTn id="1" dur="indefinite" restart="never" nodeType="tmRoot"/>
+      </p:par>
+    </p:tnLst>
   </p:timing>
 </p:sld>
 </file>
@@ -5468,4 +6737,265 @@
     </a:ext>
   </a:extLst>
 </a:theme>
+</file>
+
+<file path=ppt/theme/theme2.xml><?xml version="1.0" encoding="utf-8"?>
+<a:theme xmlns:a="http://schemas.openxmlformats.org/drawingml/2006/main" name="Office 테마">
+  <a:themeElements>
+    <a:clrScheme name="Office">
+      <a:dk1>
+        <a:sysClr val="windowText" lastClr="000000"/>
+      </a:dk1>
+      <a:lt1>
+        <a:sysClr val="window" lastClr="FFFFFF"/>
+      </a:lt1>
+      <a:dk2>
+        <a:srgbClr val="44546A"/>
+      </a:dk2>
+      <a:lt2>
+        <a:srgbClr val="E7E6E6"/>
+      </a:lt2>
+      <a:accent1>
+        <a:srgbClr val="5B9BD5"/>
+      </a:accent1>
+      <a:accent2>
+        <a:srgbClr val="ED7D31"/>
+      </a:accent2>
+      <a:accent3>
+        <a:srgbClr val="A5A5A5"/>
+      </a:accent3>
+      <a:accent4>
+        <a:srgbClr val="FFC000"/>
+      </a:accent4>
+      <a:accent5>
+        <a:srgbClr val="4472C4"/>
+      </a:accent5>
+      <a:accent6>
+        <a:srgbClr val="70AD47"/>
+      </a:accent6>
+      <a:hlink>
+        <a:srgbClr val="0563C1"/>
+      </a:hlink>
+      <a:folHlink>
+        <a:srgbClr val="954F72"/>
+      </a:folHlink>
+    </a:clrScheme>
+    <a:fontScheme name="Office">
+      <a:majorFont>
+        <a:latin typeface="맑은 고딕" panose="020F0302020204030204"/>
+        <a:ea typeface=""/>
+        <a:cs typeface=""/>
+        <a:font script="Jpan" typeface="ＭＳ Ｐゴシック"/>
+        <a:font script="Hang" typeface="맑은 고딕"/>
+        <a:font script="Hans" typeface="宋体"/>
+        <a:font script="Hant" typeface="新細明體"/>
+        <a:font script="Arab" typeface="Times New Roman"/>
+        <a:font script="Hebr" typeface="Times New Roman"/>
+        <a:font script="Thai" typeface="Angsana New"/>
+        <a:font script="Ethi" typeface="Nyala"/>
+        <a:font script="Beng" typeface="Vrinda"/>
+        <a:font script="Gujr" typeface="Shruti"/>
+        <a:font script="Khmr" typeface="MoolBoran"/>
+        <a:font script="Knda" typeface="Tunga"/>
+        <a:font script="Guru" typeface="Raavi"/>
+        <a:font script="Cans" typeface="Euphemia"/>
+        <a:font script="Cher" typeface="Plantagenet Cherokee"/>
+        <a:font script="Yiii" typeface="Microsoft Yi Baiti"/>
+        <a:font script="Tibt" typeface="Microsoft Himalaya"/>
+        <a:font script="Thaa" typeface="MV Boli"/>
+        <a:font script="Deva" typeface="Mangal"/>
+        <a:font script="Telu" typeface="Gautami"/>
+        <a:font script="Taml" typeface="Latha"/>
+        <a:font script="Syrc" typeface="Estrangelo Edessa"/>
+        <a:font script="Orya" typeface="Kalinga"/>
+        <a:font script="Mlym" typeface="Kartika"/>
+        <a:font script="Laoo" typeface="DokChampa"/>
+        <a:font script="Sinh" typeface="Iskoola Pota"/>
+        <a:font script="Mong" typeface="Mongolian Baiti"/>
+        <a:font script="Viet" typeface="Times New Roman"/>
+        <a:font script="Uigh" typeface="Microsoft Uighur"/>
+        <a:font script="Geor" typeface="Sylfaen"/>
+      </a:majorFont>
+      <a:minorFont>
+        <a:latin typeface="맑은 고딕" panose="020F0502020204030204"/>
+        <a:ea typeface=""/>
+        <a:cs typeface=""/>
+        <a:font script="Jpan" typeface="ＭＳ Ｐゴシック"/>
+        <a:font script="Hang" typeface="맑은 고딕"/>
+        <a:font script="Hans" typeface="宋体"/>
+        <a:font script="Hant" typeface="新細明體"/>
+        <a:font script="Arab" typeface="Arial"/>
+        <a:font script="Hebr" typeface="Arial"/>
+        <a:font script="Thai" typeface="Cordia New"/>
+        <a:font script="Ethi" typeface="Nyala"/>
+        <a:font script="Beng" typeface="Vrinda"/>
+        <a:font script="Gujr" typeface="Shruti"/>
+        <a:font script="Khmr" typeface="DaunPenh"/>
+        <a:font script="Knda" typeface="Tunga"/>
+        <a:font script="Guru" typeface="Raavi"/>
+        <a:font script="Cans" typeface="Euphemia"/>
+        <a:font script="Cher" typeface="Plantagenet Cherokee"/>
+        <a:font script="Yiii" typeface="Microsoft Yi Baiti"/>
+        <a:font script="Tibt" typeface="Microsoft Himalaya"/>
+        <a:font script="Thaa" typeface="MV Boli"/>
+        <a:font script="Deva" typeface="Mangal"/>
+        <a:font script="Telu" typeface="Gautami"/>
+        <a:font script="Taml" typeface="Latha"/>
+        <a:font script="Syrc" typeface="Estrangelo Edessa"/>
+        <a:font script="Orya" typeface="Kalinga"/>
+        <a:font script="Mlym" typeface="Kartika"/>
+        <a:font script="Laoo" typeface="DokChampa"/>
+        <a:font script="Sinh" typeface="Iskoola Pota"/>
+        <a:font script="Mong" typeface="Mongolian Baiti"/>
+        <a:font script="Viet" typeface="Arial"/>
+        <a:font script="Uigh" typeface="Microsoft Uighur"/>
+        <a:font script="Geor" typeface="Sylfaen"/>
+      </a:minorFont>
+    </a:fontScheme>
+    <a:fmtScheme name="Office">
+      <a:fillStyleLst>
+        <a:solidFill>
+          <a:schemeClr val="phClr"/>
+        </a:solidFill>
+        <a:gradFill rotWithShape="1">
+          <a:gsLst>
+            <a:gs pos="0">
+              <a:schemeClr val="phClr">
+                <a:lumMod val="110000"/>
+                <a:satMod val="105000"/>
+                <a:tint val="67000"/>
+              </a:schemeClr>
+            </a:gs>
+            <a:gs pos="50000">
+              <a:schemeClr val="phClr">
+                <a:lumMod val="105000"/>
+                <a:satMod val="103000"/>
+                <a:tint val="73000"/>
+              </a:schemeClr>
+            </a:gs>
+            <a:gs pos="100000">
+              <a:schemeClr val="phClr">
+                <a:lumMod val="105000"/>
+                <a:satMod val="109000"/>
+                <a:tint val="81000"/>
+              </a:schemeClr>
+            </a:gs>
+          </a:gsLst>
+          <a:lin ang="5400000" scaled="0"/>
+        </a:gradFill>
+        <a:gradFill rotWithShape="1">
+          <a:gsLst>
+            <a:gs pos="0">
+              <a:schemeClr val="phClr">
+                <a:satMod val="103000"/>
+                <a:lumMod val="102000"/>
+                <a:tint val="94000"/>
+              </a:schemeClr>
+            </a:gs>
+            <a:gs pos="50000">
+              <a:schemeClr val="phClr">
+                <a:satMod val="110000"/>
+                <a:lumMod val="100000"/>
+                <a:shade val="100000"/>
+              </a:schemeClr>
+            </a:gs>
+            <a:gs pos="100000">
+              <a:schemeClr val="phClr">
+                <a:lumMod val="99000"/>
+                <a:satMod val="120000"/>
+                <a:shade val="78000"/>
+              </a:schemeClr>
+            </a:gs>
+          </a:gsLst>
+          <a:lin ang="5400000" scaled="0"/>
+        </a:gradFill>
+      </a:fillStyleLst>
+      <a:lnStyleLst>
+        <a:ln w="6350" cap="flat" cmpd="sng" algn="ctr">
+          <a:solidFill>
+            <a:schemeClr val="phClr"/>
+          </a:solidFill>
+          <a:prstDash val="solid"/>
+          <a:miter lim="800000"/>
+        </a:ln>
+        <a:ln w="12700" cap="flat" cmpd="sng" algn="ctr">
+          <a:solidFill>
+            <a:schemeClr val="phClr"/>
+          </a:solidFill>
+          <a:prstDash val="solid"/>
+          <a:miter lim="800000"/>
+        </a:ln>
+        <a:ln w="19050" cap="flat" cmpd="sng" algn="ctr">
+          <a:solidFill>
+            <a:schemeClr val="phClr"/>
+          </a:solidFill>
+          <a:prstDash val="solid"/>
+          <a:miter lim="800000"/>
+        </a:ln>
+      </a:lnStyleLst>
+      <a:effectStyleLst>
+        <a:effectStyle>
+          <a:effectLst/>
+        </a:effectStyle>
+        <a:effectStyle>
+          <a:effectLst/>
+        </a:effectStyle>
+        <a:effectStyle>
+          <a:effectLst>
+            <a:outerShdw blurRad="57150" dist="19050" dir="5400000" algn="ctr" rotWithShape="0">
+              <a:srgbClr val="000000">
+                <a:alpha val="63000"/>
+              </a:srgbClr>
+            </a:outerShdw>
+          </a:effectLst>
+        </a:effectStyle>
+      </a:effectStyleLst>
+      <a:bgFillStyleLst>
+        <a:solidFill>
+          <a:schemeClr val="phClr"/>
+        </a:solidFill>
+        <a:solidFill>
+          <a:schemeClr val="phClr">
+            <a:tint val="95000"/>
+            <a:satMod val="170000"/>
+          </a:schemeClr>
+        </a:solidFill>
+        <a:gradFill rotWithShape="1">
+          <a:gsLst>
+            <a:gs pos="0">
+              <a:schemeClr val="phClr">
+                <a:tint val="93000"/>
+                <a:satMod val="150000"/>
+                <a:shade val="98000"/>
+                <a:lumMod val="102000"/>
+              </a:schemeClr>
+            </a:gs>
+            <a:gs pos="50000">
+              <a:schemeClr val="phClr">
+                <a:tint val="98000"/>
+                <a:satMod val="130000"/>
+                <a:shade val="90000"/>
+                <a:lumMod val="103000"/>
+              </a:schemeClr>
+            </a:gs>
+            <a:gs pos="100000">
+              <a:schemeClr val="phClr">
+                <a:shade val="63000"/>
+                <a:satMod val="120000"/>
+              </a:schemeClr>
+            </a:gs>
+          </a:gsLst>
+          <a:lin ang="5400000" scaled="0"/>
+        </a:gradFill>
+      </a:bgFillStyleLst>
+    </a:fmtScheme>
+  </a:themeElements>
+  <a:objectDefaults/>
+  <a:extraClrSchemeLst/>
+  <a:extLst>
+    <a:ext uri="{05A4C25C-085E-4340-85A3-A5531E510DB2}">
+      <thm15:themeFamily xmlns:thm15="http://schemas.microsoft.com/office/thememl/2012/main" name="Office Theme" id="{62F939B6-93AF-4DB8-9C6B-D6C7DFDC589F}" vid="{4A3C46E8-61CC-4603-A589-7422A47A8E4A}"/>
+    </a:ext>
+  </a:extLst>
+</a:theme>
 </file>